--- a/R Ladies Tutorial - Feb 2022 Meetup.pptx
+++ b/R Ladies Tutorial - Feb 2022 Meetup.pptx
@@ -1,29 +1,30 @@
 
 <file path=ppt/presentation.xml><?xml version="1.0" encoding="utf-8"?>
-<p:presentation xmlns:a="http://schemas.openxmlformats.org/drawingml/2006/main" xmlns:r="http://schemas.openxmlformats.org/officeDocument/2006/relationships" xmlns:p="http://schemas.openxmlformats.org/presentationml/2006/main" autoCompressPictures="0">
+<p:presentation xmlns:a="http://schemas.openxmlformats.org/drawingml/2006/main" xmlns:r="http://schemas.openxmlformats.org/officeDocument/2006/relationships" xmlns:p="http://schemas.openxmlformats.org/presentationml/2006/main" showSpecialPlsOnTitleSld="0" autoCompressPictures="0">
   <p:sldMasterIdLst>
     <p:sldMasterId id="2147483669" r:id="rId1"/>
   </p:sldMasterIdLst>
   <p:notesMasterIdLst>
-    <p:notesMasterId r:id="rId18"/>
+    <p:notesMasterId r:id="rId19"/>
   </p:notesMasterIdLst>
   <p:sldIdLst>
     <p:sldId id="256" r:id="rId2"/>
     <p:sldId id="257" r:id="rId3"/>
     <p:sldId id="259" r:id="rId4"/>
-    <p:sldId id="268" r:id="rId5"/>
-    <p:sldId id="272" r:id="rId6"/>
-    <p:sldId id="260" r:id="rId7"/>
-    <p:sldId id="267" r:id="rId8"/>
-    <p:sldId id="269" r:id="rId9"/>
-    <p:sldId id="270" r:id="rId10"/>
-    <p:sldId id="265" r:id="rId11"/>
-    <p:sldId id="271" r:id="rId12"/>
-    <p:sldId id="273" r:id="rId13"/>
-    <p:sldId id="274" r:id="rId14"/>
-    <p:sldId id="275" r:id="rId15"/>
-    <p:sldId id="276" r:id="rId16"/>
-    <p:sldId id="277" r:id="rId17"/>
+    <p:sldId id="278" r:id="rId5"/>
+    <p:sldId id="268" r:id="rId6"/>
+    <p:sldId id="272" r:id="rId7"/>
+    <p:sldId id="260" r:id="rId8"/>
+    <p:sldId id="267" r:id="rId9"/>
+    <p:sldId id="269" r:id="rId10"/>
+    <p:sldId id="270" r:id="rId11"/>
+    <p:sldId id="265" r:id="rId12"/>
+    <p:sldId id="271" r:id="rId13"/>
+    <p:sldId id="273" r:id="rId14"/>
+    <p:sldId id="274" r:id="rId15"/>
+    <p:sldId id="275" r:id="rId16"/>
+    <p:sldId id="276" r:id="rId17"/>
+    <p:sldId id="277" r:id="rId18"/>
   </p:sldIdLst>
   <p:sldSz cx="12192000" cy="6858000"/>
   <p:notesSz cx="6858000" cy="9144000"/>
@@ -4034,7 +4035,7 @@
           <a:p>
             <a:fld id="{7E4A554D-04E4-4400-A7C1-40A1B95554C7}" type="datetimeFigureOut">
               <a:rPr lang="en-US" smtClean="0"/>
-              <a:t>2/23/2022</a:t>
+              <a:t>2/24/2022</a:t>
             </a:fld>
             <a:endParaRPr lang="en-US"/>
           </a:p>
@@ -4434,7 +4435,7 @@
           <a:p>
             <a:r>
               <a:rPr lang="en-US" dirty="0"/>
-              <a:t>Describe what Jersey City, and what land use is. ADD ALT TEXT FOR ALL IMAGES!!!</a:t>
+              <a:t>Describe what Jersey City, and what land use is. </a:t>
             </a:r>
           </a:p>
         </p:txBody>
@@ -4456,7 +4457,7 @@
           <a:p>
             <a:fld id="{2DF0A917-B28A-40AD-ADD9-4C519D445BDD}" type="slidenum">
               <a:rPr lang="en-US" smtClean="0"/>
-              <a:t>11</a:t>
+              <a:t>12</a:t>
             </a:fld>
             <a:endParaRPr lang="en-US"/>
           </a:p>
@@ -4466,6 +4467,90 @@
     <p:extLst>
       <p:ext uri="{BB962C8B-B14F-4D97-AF65-F5344CB8AC3E}">
         <p14:creationId xmlns:p14="http://schemas.microsoft.com/office/powerpoint/2010/main" val="1934850892"/>
+      </p:ext>
+    </p:extLst>
+  </p:cSld>
+  <p:clrMapOvr>
+    <a:masterClrMapping/>
+  </p:clrMapOvr>
+</p:notes>
+</file>
+
+<file path=ppt/notesSlides/notesSlide3.xml><?xml version="1.0" encoding="utf-8"?>
+<p:notes xmlns:a="http://schemas.openxmlformats.org/drawingml/2006/main" xmlns:r="http://schemas.openxmlformats.org/officeDocument/2006/relationships" xmlns:p="http://schemas.openxmlformats.org/presentationml/2006/main">
+  <p:cSld>
+    <p:spTree>
+      <p:nvGrpSpPr>
+        <p:cNvPr id="1" name=""/>
+        <p:cNvGrpSpPr/>
+        <p:nvPr/>
+      </p:nvGrpSpPr>
+      <p:grpSpPr>
+        <a:xfrm>
+          <a:off x="0" y="0"/>
+          <a:ext cx="0" cy="0"/>
+          <a:chOff x="0" y="0"/>
+          <a:chExt cx="0" cy="0"/>
+        </a:xfrm>
+      </p:grpSpPr>
+      <p:sp>
+        <p:nvSpPr>
+          <p:cNvPr id="2" name="Slide Image Placeholder 1"/>
+          <p:cNvSpPr>
+            <a:spLocks noGrp="1" noRot="1" noChangeAspect="1"/>
+          </p:cNvSpPr>
+          <p:nvPr>
+            <p:ph type="sldImg"/>
+          </p:nvPr>
+        </p:nvSpPr>
+        <p:spPr/>
+      </p:sp>
+      <p:sp>
+        <p:nvSpPr>
+          <p:cNvPr id="3" name="Notes Placeholder 2"/>
+          <p:cNvSpPr>
+            <a:spLocks noGrp="1"/>
+          </p:cNvSpPr>
+          <p:nvPr>
+            <p:ph type="body" idx="1"/>
+          </p:nvPr>
+        </p:nvSpPr>
+        <p:spPr/>
+        <p:txBody>
+          <a:bodyPr/>
+          <a:lstStyle/>
+          <a:p>
+            <a:endParaRPr lang="en-US" dirty="0"/>
+          </a:p>
+        </p:txBody>
+      </p:sp>
+      <p:sp>
+        <p:nvSpPr>
+          <p:cNvPr id="4" name="Slide Number Placeholder 3"/>
+          <p:cNvSpPr>
+            <a:spLocks noGrp="1"/>
+          </p:cNvSpPr>
+          <p:nvPr>
+            <p:ph type="sldNum" sz="quarter" idx="5"/>
+          </p:nvPr>
+        </p:nvSpPr>
+        <p:spPr/>
+        <p:txBody>
+          <a:bodyPr/>
+          <a:lstStyle/>
+          <a:p>
+            <a:fld id="{2DF0A917-B28A-40AD-ADD9-4C519D445BDD}" type="slidenum">
+              <a:rPr lang="en-US" smtClean="0"/>
+              <a:t>17</a:t>
+            </a:fld>
+            <a:endParaRPr lang="en-US"/>
+          </a:p>
+        </p:txBody>
+      </p:sp>
+    </p:spTree>
+    <p:extLst>
+      <p:ext uri="{BB962C8B-B14F-4D97-AF65-F5344CB8AC3E}">
+        <p14:creationId xmlns:p14="http://schemas.microsoft.com/office/powerpoint/2010/main" val="718432507"/>
       </p:ext>
     </p:extLst>
   </p:cSld>
@@ -4606,10 +4691,9 @@
           <a:bodyPr/>
           <a:lstStyle/>
           <a:p>
-            <a:fld id="{B61BEF0D-F0BB-DE4B-95CE-6DB70DBA9567}" type="datetimeFigureOut">
+            <a:fld id="{BE6729B9-D265-4F3E-874D-85FDD304DF71}" type="datetime1">
               <a:rPr lang="en-US" smtClean="0"/>
-              <a:pPr/>
-              <a:t>2/23/2022</a:t>
+              <a:t>2/24/2022</a:t>
             </a:fld>
             <a:endParaRPr lang="en-US" dirty="0"/>
           </a:p>
@@ -4895,10 +4979,9 @@
           <a:bodyPr/>
           <a:lstStyle/>
           <a:p>
-            <a:fld id="{B61BEF0D-F0BB-DE4B-95CE-6DB70DBA9567}" type="datetimeFigureOut">
+            <a:fld id="{401DCBB0-E747-493C-A1EA-D3353CF4E035}" type="datetime1">
               <a:rPr lang="en-US" smtClean="0"/>
-              <a:pPr/>
-              <a:t>2/23/2022</a:t>
+              <a:t>2/24/2022</a:t>
             </a:fld>
             <a:endParaRPr lang="en-US" dirty="0"/>
           </a:p>
@@ -5089,10 +5172,9 @@
           <a:bodyPr/>
           <a:lstStyle/>
           <a:p>
-            <a:fld id="{B61BEF0D-F0BB-DE4B-95CE-6DB70DBA9567}" type="datetimeFigureOut">
+            <a:fld id="{9966F631-EA01-4679-BD0B-F4F1B2AC6FE5}" type="datetime1">
               <a:rPr lang="en-US" smtClean="0"/>
-              <a:pPr/>
-              <a:t>2/23/2022</a:t>
+              <a:t>2/24/2022</a:t>
             </a:fld>
             <a:endParaRPr lang="en-US" dirty="0"/>
           </a:p>
@@ -5352,10 +5434,9 @@
           <a:bodyPr/>
           <a:lstStyle/>
           <a:p>
-            <a:fld id="{B61BEF0D-F0BB-DE4B-95CE-6DB70DBA9567}" type="datetimeFigureOut">
+            <a:fld id="{F9C71092-BD75-4B0C-B9CC-55F56F672518}" type="datetime1">
               <a:rPr lang="en-US" smtClean="0"/>
-              <a:pPr/>
-              <a:t>2/23/2022</a:t>
+              <a:t>2/24/2022</a:t>
             </a:fld>
             <a:endParaRPr lang="en-US" dirty="0"/>
           </a:p>
@@ -5778,10 +5859,9 @@
           <a:bodyPr/>
           <a:lstStyle/>
           <a:p>
-            <a:fld id="{B61BEF0D-F0BB-DE4B-95CE-6DB70DBA9567}" type="datetimeFigureOut">
+            <a:fld id="{4C3A9BEA-7944-49C4-B28A-10DEBD7E463F}" type="datetime1">
               <a:rPr lang="en-US" smtClean="0"/>
-              <a:pPr/>
-              <a:t>2/23/2022</a:t>
+              <a:t>2/24/2022</a:t>
             </a:fld>
             <a:endParaRPr lang="en-US" dirty="0"/>
           </a:p>
@@ -6326,10 +6406,9 @@
           <a:bodyPr/>
           <a:lstStyle/>
           <a:p>
-            <a:fld id="{B61BEF0D-F0BB-DE4B-95CE-6DB70DBA9567}" type="datetimeFigureOut">
+            <a:fld id="{E52D7BBC-2A2E-4EF3-ACCC-ADAE385B4A48}" type="datetime1">
               <a:rPr lang="en-US" smtClean="0"/>
-              <a:pPr/>
-              <a:t>2/23/2022</a:t>
+              <a:t>2/24/2022</a:t>
             </a:fld>
             <a:endParaRPr lang="en-US" dirty="0"/>
           </a:p>
@@ -7168,10 +7247,9 @@
           <a:bodyPr/>
           <a:lstStyle/>
           <a:p>
-            <a:fld id="{B61BEF0D-F0BB-DE4B-95CE-6DB70DBA9567}" type="datetimeFigureOut">
+            <a:fld id="{AB5B3D1F-D0B6-485B-B2E0-D3ED61C1200E}" type="datetime1">
               <a:rPr lang="en-US" smtClean="0"/>
-              <a:pPr/>
-              <a:t>2/23/2022</a:t>
+              <a:t>2/24/2022</a:t>
             </a:fld>
             <a:endParaRPr lang="en-US" dirty="0"/>
           </a:p>
@@ -7340,10 +7418,9 @@
           <a:bodyPr/>
           <a:lstStyle/>
           <a:p>
-            <a:fld id="{B61BEF0D-F0BB-DE4B-95CE-6DB70DBA9567}" type="datetimeFigureOut">
+            <a:fld id="{9225A611-6A8F-4D6B-93AB-0FDFF2BE3805}" type="datetime1">
               <a:rPr lang="en-US" smtClean="0"/>
-              <a:pPr/>
-              <a:t>2/23/2022</a:t>
+              <a:t>2/24/2022</a:t>
             </a:fld>
             <a:endParaRPr lang="en-US" dirty="0"/>
           </a:p>
@@ -7526,10 +7603,9 @@
           <a:bodyPr/>
           <a:lstStyle/>
           <a:p>
-            <a:fld id="{B61BEF0D-F0BB-DE4B-95CE-6DB70DBA9567}" type="datetimeFigureOut">
+            <a:fld id="{8FA624EC-4057-42CA-AF6C-7DB532624AC1}" type="datetime1">
               <a:rPr lang="en-US" smtClean="0"/>
-              <a:pPr/>
-              <a:t>2/23/2022</a:t>
+              <a:t>2/24/2022</a:t>
             </a:fld>
             <a:endParaRPr lang="en-US" dirty="0"/>
           </a:p>
@@ -7698,10 +7774,9 @@
           <a:bodyPr/>
           <a:lstStyle/>
           <a:p>
-            <a:fld id="{B61BEF0D-F0BB-DE4B-95CE-6DB70DBA9567}" type="datetimeFigureOut">
+            <a:fld id="{B34986BF-92BB-4053-815C-E4F62BAF9A35}" type="datetime1">
               <a:rPr lang="en-US" smtClean="0"/>
-              <a:pPr/>
-              <a:t>2/23/2022</a:t>
+              <a:t>2/24/2022</a:t>
             </a:fld>
             <a:endParaRPr lang="en-US" dirty="0"/>
           </a:p>
@@ -7948,10 +8023,9 @@
           <a:bodyPr/>
           <a:lstStyle/>
           <a:p>
-            <a:fld id="{B61BEF0D-F0BB-DE4B-95CE-6DB70DBA9567}" type="datetimeFigureOut">
+            <a:fld id="{45A8B082-F0CA-487B-9959-BD8EEE1E28D0}" type="datetime1">
               <a:rPr lang="en-US" smtClean="0"/>
-              <a:pPr/>
-              <a:t>2/23/2022</a:t>
+              <a:t>2/24/2022</a:t>
             </a:fld>
             <a:endParaRPr lang="en-US" dirty="0"/>
           </a:p>
@@ -8187,10 +8261,9 @@
           <a:bodyPr/>
           <a:lstStyle/>
           <a:p>
-            <a:fld id="{B61BEF0D-F0BB-DE4B-95CE-6DB70DBA9567}" type="datetimeFigureOut">
+            <a:fld id="{30958E05-0EA1-477D-A55D-A7EDFCF71440}" type="datetime1">
               <a:rPr lang="en-US" smtClean="0"/>
-              <a:pPr/>
-              <a:t>2/23/2022</a:t>
+              <a:t>2/24/2022</a:t>
             </a:fld>
             <a:endParaRPr lang="en-US" dirty="0"/>
           </a:p>
@@ -8562,10 +8635,9 @@
           <a:bodyPr/>
           <a:lstStyle/>
           <a:p>
-            <a:fld id="{B61BEF0D-F0BB-DE4B-95CE-6DB70DBA9567}" type="datetimeFigureOut">
+            <a:fld id="{9AA1FC35-7144-4549-B9A6-F8BF1742F415}" type="datetime1">
               <a:rPr lang="en-US" smtClean="0"/>
-              <a:pPr/>
-              <a:t>2/23/2022</a:t>
+              <a:t>2/24/2022</a:t>
             </a:fld>
             <a:endParaRPr lang="en-US" dirty="0"/>
           </a:p>
@@ -8682,10 +8754,9 @@
           <a:bodyPr/>
           <a:lstStyle/>
           <a:p>
-            <a:fld id="{B61BEF0D-F0BB-DE4B-95CE-6DB70DBA9567}" type="datetimeFigureOut">
+            <a:fld id="{EB8C970F-4323-4ADC-A23D-B7D1A8E2CA6C}" type="datetime1">
               <a:rPr lang="en-US" smtClean="0"/>
-              <a:pPr/>
-              <a:t>2/23/2022</a:t>
+              <a:t>2/24/2022</a:t>
             </a:fld>
             <a:endParaRPr lang="en-US" dirty="0"/>
           </a:p>
@@ -8779,10 +8850,9 @@
           <a:bodyPr/>
           <a:lstStyle/>
           <a:p>
-            <a:fld id="{B61BEF0D-F0BB-DE4B-95CE-6DB70DBA9567}" type="datetimeFigureOut">
+            <a:fld id="{621555B8-CB0A-466B-9A19-CD86B6A56345}" type="datetime1">
               <a:rPr lang="en-US" smtClean="0"/>
-              <a:pPr/>
-              <a:t>2/23/2022</a:t>
+              <a:t>2/24/2022</a:t>
             </a:fld>
             <a:endParaRPr lang="en-US" dirty="0"/>
           </a:p>
@@ -9032,10 +9102,9 @@
           <a:bodyPr/>
           <a:lstStyle/>
           <a:p>
-            <a:fld id="{B61BEF0D-F0BB-DE4B-95CE-6DB70DBA9567}" type="datetimeFigureOut">
+            <a:fld id="{903D00BB-65B3-4A7E-91E0-BC3DC5F88963}" type="datetime1">
               <a:rPr lang="en-US" smtClean="0"/>
-              <a:pPr/>
-              <a:t>2/23/2022</a:t>
+              <a:t>2/24/2022</a:t>
             </a:fld>
             <a:endParaRPr lang="en-US" dirty="0"/>
           </a:p>
@@ -9321,10 +9390,9 @@
           <a:bodyPr/>
           <a:lstStyle/>
           <a:p>
-            <a:fld id="{B61BEF0D-F0BB-DE4B-95CE-6DB70DBA9567}" type="datetimeFigureOut">
+            <a:fld id="{3B12843B-46AA-4066-84CE-927538F40D26}" type="datetime1">
               <a:rPr lang="en-US" smtClean="0"/>
-              <a:pPr/>
-              <a:t>2/23/2022</a:t>
+              <a:t>2/24/2022</a:t>
             </a:fld>
             <a:endParaRPr lang="en-US" dirty="0"/>
           </a:p>
@@ -9536,10 +9604,9 @@
             </a:lvl1pPr>
           </a:lstStyle>
           <a:p>
-            <a:fld id="{B61BEF0D-F0BB-DE4B-95CE-6DB70DBA9567}" type="datetimeFigureOut">
+            <a:fld id="{0A04B8B7-0CE2-447A-8FE7-E16FF17AA41C}" type="datetime1">
               <a:rPr lang="en-US" smtClean="0"/>
-              <a:pPr/>
-              <a:t>2/23/2022</a:t>
+              <a:t>2/24/2022</a:t>
             </a:fld>
             <a:endParaRPr lang="en-US" dirty="0"/>
           </a:p>
@@ -9651,6 +9718,7 @@
     <p:sldLayoutId id="2147483685" r:id="rId16"/>
     <p:sldLayoutId id="2147483686" r:id="rId17"/>
   </p:sldLayoutIdLst>
+  <p:hf hdr="0" ftr="0" dt="0"/>
   <p:txStyles>
     <p:titleStyle>
       <a:lvl1pPr algn="ctr" defTabSz="914400" rtl="0" eaLnBrk="1" latinLnBrk="0" hangingPunct="1">
@@ -10093,6 +10161,28 @@
 <file path=ppt/slides/slide10.xml><?xml version="1.0" encoding="utf-8"?>
 <p:sld xmlns:a="http://schemas.openxmlformats.org/drawingml/2006/main" xmlns:r="http://schemas.openxmlformats.org/officeDocument/2006/relationships" xmlns:p="http://schemas.openxmlformats.org/presentationml/2006/main">
   <p:cSld>
+    <p:bg>
+      <p:bgPr>
+        <a:blipFill rotWithShape="1">
+          <a:blip r:embed="rId2">
+            <a:duotone>
+              <a:schemeClr val="bg2">
+                <a:shade val="18000"/>
+                <a:satMod val="160000"/>
+                <a:lumMod val="28000"/>
+              </a:schemeClr>
+              <a:schemeClr val="bg2">
+                <a:tint val="95000"/>
+                <a:satMod val="160000"/>
+                <a:lumMod val="116000"/>
+              </a:schemeClr>
+            </a:duotone>
+          </a:blip>
+          <a:stretch/>
+        </a:blipFill>
+        <a:effectLst/>
+      </p:bgPr>
+    </p:bg>
     <p:spTree>
       <p:nvGrpSpPr>
         <p:cNvPr id="1" name=""/>
@@ -10112,6 +10202,241 @@
           <p:cNvPr id="2" name="Title 1">
             <a:extLst>
               <a:ext uri="{FF2B5EF4-FFF2-40B4-BE49-F238E27FC236}">
+                <a16:creationId xmlns:a16="http://schemas.microsoft.com/office/drawing/2014/main" id="{9D691EA1-5131-435D-B7CE-ABDDC645DED1}"/>
+              </a:ext>
+            </a:extLst>
+          </p:cNvPr>
+          <p:cNvSpPr>
+            <a:spLocks noGrp="1"/>
+          </p:cNvSpPr>
+          <p:nvPr>
+            <p:ph type="title"/>
+          </p:nvPr>
+        </p:nvSpPr>
+        <p:spPr>
+          <a:xfrm>
+            <a:off x="4927472" y="609600"/>
+            <a:ext cx="6340084" cy="1326321"/>
+          </a:xfrm>
+        </p:spPr>
+        <p:txBody>
+          <a:bodyPr>
+            <a:normAutofit/>
+          </a:bodyPr>
+          <a:lstStyle/>
+          <a:p>
+            <a:r>
+              <a:rPr lang="en-US" cap="none" dirty="0"/>
+              <a:t>Detailed Information in Shapefile Data Dictionary</a:t>
+            </a:r>
+          </a:p>
+        </p:txBody>
+      </p:sp>
+      <p:pic>
+        <p:nvPicPr>
+          <p:cNvPr id="5" name="Content Placeholder 4" descr="FeatureTyp column values descriptions from the NYC Lion dataset.">
+            <a:extLst>
+              <a:ext uri="{FF2B5EF4-FFF2-40B4-BE49-F238E27FC236}">
+                <a16:creationId xmlns:a16="http://schemas.microsoft.com/office/drawing/2014/main" id="{3EBE1958-C1F8-4CAA-96CE-8E081EE812EF}"/>
+              </a:ext>
+            </a:extLst>
+          </p:cNvPr>
+          <p:cNvPicPr>
+            <a:picLocks noChangeAspect="1"/>
+          </p:cNvPicPr>
+          <p:nvPr/>
+        </p:nvPicPr>
+        <p:blipFill rotWithShape="1">
+          <a:blip r:embed="rId3"/>
+          <a:srcRect l="2258" r="9087"/>
+          <a:stretch/>
+        </p:blipFill>
+        <p:spPr>
+          <a:xfrm>
+            <a:off x="20" y="10"/>
+            <a:ext cx="4635987" cy="6857990"/>
+          </a:xfrm>
+          <a:prstGeom prst="rect">
+            <a:avLst/>
+          </a:prstGeom>
+        </p:spPr>
+      </p:pic>
+      <p:sp>
+        <p:nvSpPr>
+          <p:cNvPr id="18" name="Content Placeholder 8">
+            <a:extLst>
+              <a:ext uri="{FF2B5EF4-FFF2-40B4-BE49-F238E27FC236}">
+                <a16:creationId xmlns:a16="http://schemas.microsoft.com/office/drawing/2014/main" id="{A74BE6A6-7AB9-4A9A-B52E-7608366D69D1}"/>
+              </a:ext>
+            </a:extLst>
+          </p:cNvPr>
+          <p:cNvSpPr>
+            <a:spLocks noGrp="1"/>
+          </p:cNvSpPr>
+          <p:nvPr>
+            <p:ph idx="1"/>
+          </p:nvPr>
+        </p:nvSpPr>
+        <p:spPr>
+          <a:xfrm>
+            <a:off x="4927471" y="2096064"/>
+            <a:ext cx="6340085" cy="3695136"/>
+          </a:xfrm>
+        </p:spPr>
+        <p:txBody>
+          <a:bodyPr>
+            <a:normAutofit/>
+          </a:bodyPr>
+          <a:lstStyle/>
+          <a:p>
+            <a:r>
+              <a:rPr lang="en-US" dirty="0"/>
+              <a:t>In addition to spatial information, those who maintain shapefiles will provide documentation of the columns and their definitions</a:t>
+            </a:r>
+          </a:p>
+          <a:p>
+            <a:r>
+              <a:rPr lang="en-US" dirty="0"/>
+              <a:t>This column </a:t>
+            </a:r>
+            <a:r>
+              <a:rPr lang="en-US" dirty="0" err="1"/>
+              <a:t>FeatureTyp</a:t>
+            </a:r>
+            <a:r>
+              <a:rPr lang="en-US" dirty="0"/>
+              <a:t>, is essential in determining what lines in the data are true streets, boundaries, railroads, or other lines that may not be associated with the street network</a:t>
+            </a:r>
+          </a:p>
+        </p:txBody>
+      </p:sp>
+      <p:cxnSp>
+        <p:nvCxnSpPr>
+          <p:cNvPr id="19" name="Straight Connector 11">
+            <a:extLst>
+              <a:ext uri="{FF2B5EF4-FFF2-40B4-BE49-F238E27FC236}">
+                <a16:creationId xmlns:a16="http://schemas.microsoft.com/office/drawing/2014/main" id="{E2A31A05-19BB-4F84-9402-E8569CBDBDB3}"/>
+              </a:ext>
+              <a:ext uri="{C183D7F6-B498-43B3-948B-1728B52AA6E4}">
+                <adec:decorative xmlns:adec="http://schemas.microsoft.com/office/drawing/2017/decorative" val="1"/>
+              </a:ext>
+            </a:extLst>
+          </p:cNvPr>
+          <p:cNvCxnSpPr>
+            <a:cxnSpLocks noGrp="1" noRot="1" noChangeAspect="1" noMove="1" noResize="1" noEditPoints="1" noAdjustHandles="1" noChangeArrowheads="1" noChangeShapeType="1"/>
+          </p:cNvCxnSpPr>
+          <p:nvPr>
+            <p:extLst>
+              <p:ext uri="{386F3935-93C4-4BCD-93E2-E3B085C9AB24}">
+                <p16:designElem xmlns:p16="http://schemas.microsoft.com/office/powerpoint/2015/main" val="1"/>
+              </p:ext>
+            </p:extLst>
+          </p:nvPr>
+        </p:nvCxnSpPr>
+        <p:spPr>
+          <a:xfrm>
+            <a:off x="4636007" y="45720"/>
+            <a:ext cx="0" cy="6766560"/>
+          </a:xfrm>
+          <a:prstGeom prst="line">
+            <a:avLst/>
+          </a:prstGeom>
+          <a:ln w="190500" cap="sq">
+            <a:solidFill>
+              <a:srgbClr val="FFFFFF"/>
+            </a:solidFill>
+            <a:miter lim="800000"/>
+          </a:ln>
+          <a:scene3d>
+            <a:camera prst="orthographicFront"/>
+            <a:lightRig rig="twoPt" dir="t">
+              <a:rot lat="0" lon="0" rev="7200000"/>
+            </a:lightRig>
+          </a:scene3d>
+          <a:sp3d>
+            <a:bevelT w="25400" h="19050"/>
+          </a:sp3d>
+        </p:spPr>
+        <p:style>
+          <a:lnRef idx="1">
+            <a:schemeClr val="accent1"/>
+          </a:lnRef>
+          <a:fillRef idx="0">
+            <a:schemeClr val="accent1"/>
+          </a:fillRef>
+          <a:effectRef idx="0">
+            <a:schemeClr val="accent1"/>
+          </a:effectRef>
+          <a:fontRef idx="minor">
+            <a:schemeClr val="tx1"/>
+          </a:fontRef>
+        </p:style>
+      </p:cxnSp>
+      <p:sp>
+        <p:nvSpPr>
+          <p:cNvPr id="4" name="Slide Number Placeholder 3">
+            <a:extLst>
+              <a:ext uri="{FF2B5EF4-FFF2-40B4-BE49-F238E27FC236}">
+                <a16:creationId xmlns:a16="http://schemas.microsoft.com/office/drawing/2014/main" id="{E1414DAC-B7EE-4BA2-B290-5735783535E6}"/>
+              </a:ext>
+            </a:extLst>
+          </p:cNvPr>
+          <p:cNvSpPr>
+            <a:spLocks noGrp="1"/>
+          </p:cNvSpPr>
+          <p:nvPr>
+            <p:ph type="sldNum" sz="quarter" idx="12"/>
+          </p:nvPr>
+        </p:nvSpPr>
+        <p:spPr/>
+        <p:txBody>
+          <a:bodyPr/>
+          <a:lstStyle/>
+          <a:p>
+            <a:fld id="{D57F1E4F-1CFF-5643-939E-217C01CDF565}" type="slidenum">
+              <a:rPr lang="en-US" smtClean="0"/>
+              <a:pPr/>
+              <a:t>10</a:t>
+            </a:fld>
+            <a:endParaRPr lang="en-US" dirty="0"/>
+          </a:p>
+        </p:txBody>
+      </p:sp>
+    </p:spTree>
+    <p:extLst>
+      <p:ext uri="{BB962C8B-B14F-4D97-AF65-F5344CB8AC3E}">
+        <p14:creationId xmlns:p14="http://schemas.microsoft.com/office/powerpoint/2010/main" val="1563510263"/>
+      </p:ext>
+    </p:extLst>
+  </p:cSld>
+  <p:clrMapOvr>
+    <a:masterClrMapping/>
+  </p:clrMapOvr>
+</p:sld>
+</file>
+
+<file path=ppt/slides/slide11.xml><?xml version="1.0" encoding="utf-8"?>
+<p:sld xmlns:a="http://schemas.openxmlformats.org/drawingml/2006/main" xmlns:r="http://schemas.openxmlformats.org/officeDocument/2006/relationships" xmlns:p="http://schemas.openxmlformats.org/presentationml/2006/main">
+  <p:cSld>
+    <p:spTree>
+      <p:nvGrpSpPr>
+        <p:cNvPr id="1" name=""/>
+        <p:cNvGrpSpPr/>
+        <p:nvPr/>
+      </p:nvGrpSpPr>
+      <p:grpSpPr>
+        <a:xfrm>
+          <a:off x="0" y="0"/>
+          <a:ext cx="0" cy="0"/>
+          <a:chOff x="0" y="0"/>
+          <a:chExt cx="0" cy="0"/>
+        </a:xfrm>
+      </p:grpSpPr>
+      <p:sp>
+        <p:nvSpPr>
+          <p:cNvPr id="2" name="Title 1">
+            <a:extLst>
+              <a:ext uri="{FF2B5EF4-FFF2-40B4-BE49-F238E27FC236}">
                 <a16:creationId xmlns:a16="http://schemas.microsoft.com/office/drawing/2014/main" id="{C772BD7C-5C6C-48FF-85EB-CCAFC199B1C8}"/>
               </a:ext>
             </a:extLst>
@@ -10154,13 +10479,13 @@
         <p:spPr/>
         <p:txBody>
           <a:bodyPr>
-            <a:normAutofit fontScale="85000" lnSpcReduction="20000"/>
+            <a:normAutofit fontScale="77500" lnSpcReduction="20000"/>
           </a:bodyPr>
           <a:lstStyle/>
           <a:p>
             <a:r>
               <a:rPr lang="en-US" dirty="0"/>
-              <a:t>State Governments</a:t>
+              <a:t>State and County Governments</a:t>
             </a:r>
           </a:p>
           <a:p>
@@ -10183,7 +10508,7 @@
           <a:p>
             <a:r>
               <a:rPr lang="en-US" dirty="0"/>
-              <a:t>Municipal/City Government</a:t>
+              <a:t>Municipal/City Governments</a:t>
             </a:r>
           </a:p>
           <a:p>
@@ -10219,7 +10544,7 @@
           <a:p>
             <a:r>
               <a:rPr lang="en-US" dirty="0"/>
-              <a:t>Federal Government</a:t>
+              <a:t>Federal Governments</a:t>
             </a:r>
           </a:p>
           <a:p>
@@ -10248,6 +10573,42 @@
               <a:rPr lang="en-US" dirty="0"/>
               <a:t>Census GIS data can be linked to other census files using the geoid</a:t>
             </a:r>
+          </a:p>
+          <a:p>
+            <a:r>
+              <a:rPr lang="en-US" dirty="0"/>
+              <a:t>Universities/Think Tanks/NGOs/Other</a:t>
+            </a:r>
+          </a:p>
+        </p:txBody>
+      </p:sp>
+      <p:sp>
+        <p:nvSpPr>
+          <p:cNvPr id="5" name="Slide Number Placeholder 4">
+            <a:extLst>
+              <a:ext uri="{FF2B5EF4-FFF2-40B4-BE49-F238E27FC236}">
+                <a16:creationId xmlns:a16="http://schemas.microsoft.com/office/drawing/2014/main" id="{60BD001A-72BF-4C2D-AFB0-7D64170611FE}"/>
+              </a:ext>
+            </a:extLst>
+          </p:cNvPr>
+          <p:cNvSpPr>
+            <a:spLocks noGrp="1"/>
+          </p:cNvSpPr>
+          <p:nvPr>
+            <p:ph type="sldNum" sz="quarter" idx="12"/>
+          </p:nvPr>
+        </p:nvSpPr>
+        <p:spPr/>
+        <p:txBody>
+          <a:bodyPr/>
+          <a:lstStyle/>
+          <a:p>
+            <a:fld id="{D57F1E4F-1CFF-5643-939E-217C01CDF565}" type="slidenum">
+              <a:rPr lang="en-US" smtClean="0"/>
+              <a:pPr/>
+              <a:t>11</a:t>
+            </a:fld>
+            <a:endParaRPr lang="en-US" dirty="0"/>
           </a:p>
         </p:txBody>
       </p:sp>
@@ -10264,7 +10625,7 @@
 </p:sld>
 </file>
 
-<file path=ppt/slides/slide11.xml><?xml version="1.0" encoding="utf-8"?>
+<file path=ppt/slides/slide12.xml><?xml version="1.0" encoding="utf-8"?>
 <p:sld xmlns:a="http://schemas.openxmlformats.org/drawingml/2006/main" xmlns:r="http://schemas.openxmlformats.org/officeDocument/2006/relationships" xmlns:p="http://schemas.openxmlformats.org/presentationml/2006/main">
   <p:cSld>
     <p:bg>
@@ -10581,7 +10942,7 @@
         </p:nvSpPr>
         <p:spPr>
           <a:xfrm>
-            <a:off x="6435091" y="2096064"/>
+            <a:off x="6435091" y="1734114"/>
             <a:ext cx="4832465" cy="3962120"/>
           </a:xfrm>
         </p:spPr>
@@ -10661,6 +11022,36 @@
               </a:rPr>
               <a:t>North Arrow</a:t>
             </a:r>
+          </a:p>
+        </p:txBody>
+      </p:sp>
+      <p:sp>
+        <p:nvSpPr>
+          <p:cNvPr id="4" name="Slide Number Placeholder 3">
+            <a:extLst>
+              <a:ext uri="{FF2B5EF4-FFF2-40B4-BE49-F238E27FC236}">
+                <a16:creationId xmlns:a16="http://schemas.microsoft.com/office/drawing/2014/main" id="{25CBE6BD-20FC-49D6-8745-DA46D6C49212}"/>
+              </a:ext>
+            </a:extLst>
+          </p:cNvPr>
+          <p:cNvSpPr>
+            <a:spLocks noGrp="1"/>
+          </p:cNvSpPr>
+          <p:nvPr>
+            <p:ph type="sldNum" sz="quarter" idx="12"/>
+          </p:nvPr>
+        </p:nvSpPr>
+        <p:spPr/>
+        <p:txBody>
+          <a:bodyPr/>
+          <a:lstStyle/>
+          <a:p>
+            <a:fld id="{D57F1E4F-1CFF-5643-939E-217C01CDF565}" type="slidenum">
+              <a:rPr lang="en-US" smtClean="0"/>
+              <a:pPr/>
+              <a:t>12</a:t>
+            </a:fld>
+            <a:endParaRPr lang="en-US" dirty="0"/>
           </a:p>
         </p:txBody>
       </p:sp>
@@ -10673,176 +11064,6 @@
   </p:cSld>
   <p:clrMapOvr>
     <a:overrideClrMapping bg1="lt1" tx1="dk1" bg2="lt2" tx2="dk2" accent1="accent1" accent2="accent2" accent3="accent3" accent4="accent4" accent5="accent5" accent6="accent6" hlink="hlink" folHlink="folHlink"/>
-  </p:clrMapOvr>
-</p:sld>
-</file>
-
-<file path=ppt/slides/slide12.xml><?xml version="1.0" encoding="utf-8"?>
-<p:sld xmlns:a="http://schemas.openxmlformats.org/drawingml/2006/main" xmlns:r="http://schemas.openxmlformats.org/officeDocument/2006/relationships" xmlns:p="http://schemas.openxmlformats.org/presentationml/2006/main">
-  <p:cSld>
-    <p:spTree>
-      <p:nvGrpSpPr>
-        <p:cNvPr id="1" name=""/>
-        <p:cNvGrpSpPr/>
-        <p:nvPr/>
-      </p:nvGrpSpPr>
-      <p:grpSpPr>
-        <a:xfrm>
-          <a:off x="0" y="0"/>
-          <a:ext cx="0" cy="0"/>
-          <a:chOff x="0" y="0"/>
-          <a:chExt cx="0" cy="0"/>
-        </a:xfrm>
-      </p:grpSpPr>
-      <p:sp>
-        <p:nvSpPr>
-          <p:cNvPr id="2" name="Title 1">
-            <a:extLst>
-              <a:ext uri="{FF2B5EF4-FFF2-40B4-BE49-F238E27FC236}">
-                <a16:creationId xmlns:a16="http://schemas.microsoft.com/office/drawing/2014/main" id="{E47442D8-5339-48F1-B87A-49EE9046BDBF}"/>
-              </a:ext>
-            </a:extLst>
-          </p:cNvPr>
-          <p:cNvSpPr>
-            <a:spLocks noGrp="1"/>
-          </p:cNvSpPr>
-          <p:nvPr>
-            <p:ph type="title"/>
-          </p:nvPr>
-        </p:nvSpPr>
-        <p:spPr/>
-        <p:txBody>
-          <a:bodyPr/>
-          <a:lstStyle/>
-          <a:p>
-            <a:r>
-              <a:rPr lang="en-US" dirty="0"/>
-              <a:t>Additional Geospatial Resources</a:t>
-            </a:r>
-          </a:p>
-        </p:txBody>
-      </p:sp>
-      <p:sp>
-        <p:nvSpPr>
-          <p:cNvPr id="3" name="Content Placeholder 2">
-            <a:extLst>
-              <a:ext uri="{FF2B5EF4-FFF2-40B4-BE49-F238E27FC236}">
-                <a16:creationId xmlns:a16="http://schemas.microsoft.com/office/drawing/2014/main" id="{FA29D465-B2DE-465B-B975-C832EE00643E}"/>
-              </a:ext>
-            </a:extLst>
-          </p:cNvPr>
-          <p:cNvSpPr>
-            <a:spLocks noGrp="1"/>
-          </p:cNvSpPr>
-          <p:nvPr>
-            <p:ph idx="1"/>
-          </p:nvPr>
-        </p:nvSpPr>
-        <p:spPr/>
-        <p:txBody>
-          <a:bodyPr>
-            <a:normAutofit fontScale="85000" lnSpcReduction="10000"/>
-          </a:bodyPr>
-          <a:lstStyle/>
-          <a:p>
-            <a:r>
-              <a:rPr lang="en-US" dirty="0"/>
-              <a:t>Robin Lovelace’s online resource, “</a:t>
-            </a:r>
-            <a:r>
-              <a:rPr lang="en-US" dirty="0" err="1"/>
-              <a:t>Geocomputation</a:t>
-            </a:r>
-            <a:r>
-              <a:rPr lang="en-US" dirty="0"/>
-              <a:t> with R”</a:t>
-            </a:r>
-          </a:p>
-          <a:p>
-            <a:pPr lvl="1"/>
-            <a:r>
-              <a:rPr lang="en-US" dirty="0">
-                <a:hlinkClick r:id="rId2"/>
-              </a:rPr>
-              <a:t>https://geocompr.robinlovelace.net/</a:t>
-            </a:r>
-            <a:endParaRPr lang="en-US" dirty="0"/>
-          </a:p>
-          <a:p>
-            <a:r>
-              <a:rPr lang="en-US" dirty="0"/>
-              <a:t>Mapping with ggplot2</a:t>
-            </a:r>
-          </a:p>
-          <a:p>
-            <a:pPr lvl="1"/>
-            <a:r>
-              <a:rPr lang="en-US" dirty="0">
-                <a:hlinkClick r:id="rId3"/>
-              </a:rPr>
-              <a:t>https://ggplot2-book.org/maps.html</a:t>
-            </a:r>
-            <a:endParaRPr lang="en-US" dirty="0"/>
-          </a:p>
-          <a:p>
-            <a:r>
-              <a:rPr lang="en-US" dirty="0"/>
-              <a:t>Coordinate Systems and Projections</a:t>
-            </a:r>
-          </a:p>
-          <a:p>
-            <a:pPr lvl="1"/>
-            <a:r>
-              <a:rPr lang="en-US" dirty="0">
-                <a:hlinkClick r:id="rId4"/>
-              </a:rPr>
-              <a:t>https://www.esri.com/arcgis-blog/products/arcgis-pro/mapping/coordinate-systems-difference/</a:t>
-            </a:r>
-            <a:endParaRPr lang="en-US" dirty="0"/>
-          </a:p>
-          <a:p>
-            <a:r>
-              <a:rPr lang="en-US" dirty="0"/>
-              <a:t>GIS Crash Course Using R</a:t>
-            </a:r>
-          </a:p>
-          <a:p>
-            <a:pPr lvl="1"/>
-            <a:r>
-              <a:rPr lang="en-US" dirty="0">
-                <a:hlinkClick r:id="rId5"/>
-              </a:rPr>
-              <a:t>https://bookdown.org/michael_bcalles/gis-crash-course-in-r/</a:t>
-            </a:r>
-            <a:endParaRPr lang="en-US" dirty="0"/>
-          </a:p>
-          <a:p>
-            <a:r>
-              <a:rPr lang="en-US" dirty="0"/>
-              <a:t>Overview of different packages for displaying maps</a:t>
-            </a:r>
-          </a:p>
-          <a:p>
-            <a:pPr lvl="1"/>
-            <a:r>
-              <a:rPr lang="en-US" dirty="0">
-                <a:hlinkClick r:id="rId6"/>
-              </a:rPr>
-              <a:t>https://rstudio-pubs-static.s3.amazonaws.com/324400_69a673183ba449e9af4011b1eeb456b9.html</a:t>
-            </a:r>
-            <a:endParaRPr lang="en-US" dirty="0"/>
-          </a:p>
-        </p:txBody>
-      </p:sp>
-    </p:spTree>
-    <p:extLst>
-      <p:ext uri="{BB962C8B-B14F-4D97-AF65-F5344CB8AC3E}">
-        <p14:creationId xmlns:p14="http://schemas.microsoft.com/office/powerpoint/2010/main" val="499957636"/>
-      </p:ext>
-    </p:extLst>
-  </p:cSld>
-  <p:clrMapOvr>
-    <a:masterClrMapping/>
   </p:clrMapOvr>
 </p:sld>
 </file>
@@ -10869,6 +11090,211 @@
           <p:cNvPr id="2" name="Title 1">
             <a:extLst>
               <a:ext uri="{FF2B5EF4-FFF2-40B4-BE49-F238E27FC236}">
+                <a16:creationId xmlns:a16="http://schemas.microsoft.com/office/drawing/2014/main" id="{E47442D8-5339-48F1-B87A-49EE9046BDBF}"/>
+              </a:ext>
+            </a:extLst>
+          </p:cNvPr>
+          <p:cNvSpPr>
+            <a:spLocks noGrp="1"/>
+          </p:cNvSpPr>
+          <p:nvPr>
+            <p:ph type="title"/>
+          </p:nvPr>
+        </p:nvSpPr>
+        <p:spPr/>
+        <p:txBody>
+          <a:bodyPr/>
+          <a:lstStyle/>
+          <a:p>
+            <a:r>
+              <a:rPr lang="en-US" cap="none" dirty="0"/>
+              <a:t>Additional Geospatial Resources</a:t>
+            </a:r>
+          </a:p>
+        </p:txBody>
+      </p:sp>
+      <p:sp>
+        <p:nvSpPr>
+          <p:cNvPr id="3" name="Content Placeholder 2">
+            <a:extLst>
+              <a:ext uri="{FF2B5EF4-FFF2-40B4-BE49-F238E27FC236}">
+                <a16:creationId xmlns:a16="http://schemas.microsoft.com/office/drawing/2014/main" id="{FA29D465-B2DE-465B-B975-C832EE00643E}"/>
+              </a:ext>
+            </a:extLst>
+          </p:cNvPr>
+          <p:cNvSpPr>
+            <a:spLocks noGrp="1"/>
+          </p:cNvSpPr>
+          <p:nvPr>
+            <p:ph idx="1"/>
+          </p:nvPr>
+        </p:nvSpPr>
+        <p:spPr>
+          <a:xfrm>
+            <a:off x="913795" y="1829364"/>
+            <a:ext cx="10353762" cy="3695136"/>
+          </a:xfrm>
+        </p:spPr>
+        <p:txBody>
+          <a:bodyPr>
+            <a:normAutofit fontScale="85000" lnSpcReduction="10000"/>
+          </a:bodyPr>
+          <a:lstStyle/>
+          <a:p>
+            <a:r>
+              <a:rPr lang="en-US" dirty="0"/>
+              <a:t>Robin Lovelace’s online resource, “</a:t>
+            </a:r>
+            <a:r>
+              <a:rPr lang="en-US" dirty="0" err="1"/>
+              <a:t>Geocomputation</a:t>
+            </a:r>
+            <a:r>
+              <a:rPr lang="en-US" dirty="0"/>
+              <a:t> with R”</a:t>
+            </a:r>
+          </a:p>
+          <a:p>
+            <a:pPr lvl="1"/>
+            <a:r>
+              <a:rPr lang="en-US" dirty="0">
+                <a:hlinkClick r:id="rId2"/>
+              </a:rPr>
+              <a:t>https://geocompr.robinlovelace.net/</a:t>
+            </a:r>
+            <a:endParaRPr lang="en-US" dirty="0"/>
+          </a:p>
+          <a:p>
+            <a:r>
+              <a:rPr lang="en-US" dirty="0"/>
+              <a:t>Mapping with ggplot2</a:t>
+            </a:r>
+          </a:p>
+          <a:p>
+            <a:pPr lvl="1"/>
+            <a:r>
+              <a:rPr lang="en-US" dirty="0">
+                <a:hlinkClick r:id="rId3"/>
+              </a:rPr>
+              <a:t>https://ggplot2-book.org/maps.html</a:t>
+            </a:r>
+            <a:endParaRPr lang="en-US" dirty="0"/>
+          </a:p>
+          <a:p>
+            <a:r>
+              <a:rPr lang="en-US" dirty="0"/>
+              <a:t>Coordinate Systems and Projections</a:t>
+            </a:r>
+          </a:p>
+          <a:p>
+            <a:pPr lvl="1"/>
+            <a:r>
+              <a:rPr lang="en-US" dirty="0">
+                <a:hlinkClick r:id="rId4"/>
+              </a:rPr>
+              <a:t>https://www.esri.com/arcgis-blog/products/arcgis-pro/mapping/coordinate-systems-difference/</a:t>
+            </a:r>
+            <a:endParaRPr lang="en-US" dirty="0"/>
+          </a:p>
+          <a:p>
+            <a:r>
+              <a:rPr lang="en-US" dirty="0"/>
+              <a:t>GIS Crash Course Using R</a:t>
+            </a:r>
+          </a:p>
+          <a:p>
+            <a:pPr lvl="1"/>
+            <a:r>
+              <a:rPr lang="en-US" dirty="0">
+                <a:hlinkClick r:id="rId5"/>
+              </a:rPr>
+              <a:t>https://bookdown.org/michael_bcalles/gis-crash-course-in-r/</a:t>
+            </a:r>
+            <a:endParaRPr lang="en-US" dirty="0"/>
+          </a:p>
+          <a:p>
+            <a:r>
+              <a:rPr lang="en-US" dirty="0"/>
+              <a:t>Overview of different packages for displaying maps</a:t>
+            </a:r>
+          </a:p>
+          <a:p>
+            <a:pPr lvl="1"/>
+            <a:r>
+              <a:rPr lang="en-US" dirty="0">
+                <a:hlinkClick r:id="rId6"/>
+              </a:rPr>
+              <a:t>https://rstudio-pubs-static.s3.amazonaws.com/324400_69a673183ba449e9af4011b1eeb456b9.html</a:t>
+            </a:r>
+            <a:endParaRPr lang="en-US" dirty="0"/>
+          </a:p>
+        </p:txBody>
+      </p:sp>
+      <p:sp>
+        <p:nvSpPr>
+          <p:cNvPr id="5" name="Slide Number Placeholder 4">
+            <a:extLst>
+              <a:ext uri="{FF2B5EF4-FFF2-40B4-BE49-F238E27FC236}">
+                <a16:creationId xmlns:a16="http://schemas.microsoft.com/office/drawing/2014/main" id="{984A789E-A1AD-41F6-B0F4-5531A77F0327}"/>
+              </a:ext>
+            </a:extLst>
+          </p:cNvPr>
+          <p:cNvSpPr>
+            <a:spLocks noGrp="1"/>
+          </p:cNvSpPr>
+          <p:nvPr>
+            <p:ph type="sldNum" sz="quarter" idx="12"/>
+          </p:nvPr>
+        </p:nvSpPr>
+        <p:spPr/>
+        <p:txBody>
+          <a:bodyPr/>
+          <a:lstStyle/>
+          <a:p>
+            <a:fld id="{D57F1E4F-1CFF-5643-939E-217C01CDF565}" type="slidenum">
+              <a:rPr lang="en-US" smtClean="0"/>
+              <a:pPr/>
+              <a:t>13</a:t>
+            </a:fld>
+            <a:endParaRPr lang="en-US" dirty="0"/>
+          </a:p>
+        </p:txBody>
+      </p:sp>
+    </p:spTree>
+    <p:extLst>
+      <p:ext uri="{BB962C8B-B14F-4D97-AF65-F5344CB8AC3E}">
+        <p14:creationId xmlns:p14="http://schemas.microsoft.com/office/powerpoint/2010/main" val="499957636"/>
+      </p:ext>
+    </p:extLst>
+  </p:cSld>
+  <p:clrMapOvr>
+    <a:masterClrMapping/>
+  </p:clrMapOvr>
+</p:sld>
+</file>
+
+<file path=ppt/slides/slide14.xml><?xml version="1.0" encoding="utf-8"?>
+<p:sld xmlns:a="http://schemas.openxmlformats.org/drawingml/2006/main" xmlns:r="http://schemas.openxmlformats.org/officeDocument/2006/relationships" xmlns:p="http://schemas.openxmlformats.org/presentationml/2006/main">
+  <p:cSld>
+    <p:spTree>
+      <p:nvGrpSpPr>
+        <p:cNvPr id="1" name=""/>
+        <p:cNvGrpSpPr/>
+        <p:nvPr/>
+      </p:nvGrpSpPr>
+      <p:grpSpPr>
+        <a:xfrm>
+          <a:off x="0" y="0"/>
+          <a:ext cx="0" cy="0"/>
+          <a:chOff x="0" y="0"/>
+          <a:chExt cx="0" cy="0"/>
+        </a:xfrm>
+      </p:grpSpPr>
+      <p:sp>
+        <p:nvSpPr>
+          <p:cNvPr id="2" name="Title 1">
+            <a:extLst>
+              <a:ext uri="{FF2B5EF4-FFF2-40B4-BE49-F238E27FC236}">
                 <a16:creationId xmlns:a16="http://schemas.microsoft.com/office/drawing/2014/main" id="{1E383D4A-A052-4D0D-A72A-6B90E64B0436}"/>
               </a:ext>
             </a:extLst>
@@ -10916,11 +11342,41 @@
         </p:blipFill>
         <p:spPr>
           <a:xfrm>
-            <a:off x="2573887" y="2095500"/>
-            <a:ext cx="7034700" cy="3695700"/>
+            <a:off x="1675260" y="1603503"/>
+            <a:ext cx="8841479" cy="4644897"/>
           </a:xfrm>
         </p:spPr>
       </p:pic>
+      <p:sp>
+        <p:nvSpPr>
+          <p:cNvPr id="4" name="Slide Number Placeholder 3">
+            <a:extLst>
+              <a:ext uri="{FF2B5EF4-FFF2-40B4-BE49-F238E27FC236}">
+                <a16:creationId xmlns:a16="http://schemas.microsoft.com/office/drawing/2014/main" id="{600D9D7C-C9E8-409A-85FF-366E502FDB5E}"/>
+              </a:ext>
+            </a:extLst>
+          </p:cNvPr>
+          <p:cNvSpPr>
+            <a:spLocks noGrp="1"/>
+          </p:cNvSpPr>
+          <p:nvPr>
+            <p:ph type="sldNum" sz="quarter" idx="12"/>
+          </p:nvPr>
+        </p:nvSpPr>
+        <p:spPr/>
+        <p:txBody>
+          <a:bodyPr/>
+          <a:lstStyle/>
+          <a:p>
+            <a:fld id="{D57F1E4F-1CFF-5643-939E-217C01CDF565}" type="slidenum">
+              <a:rPr lang="en-US" smtClean="0"/>
+              <a:pPr/>
+              <a:t>14</a:t>
+            </a:fld>
+            <a:endParaRPr lang="en-US" dirty="0"/>
+          </a:p>
+        </p:txBody>
+      </p:sp>
     </p:spTree>
     <p:extLst>
       <p:ext uri="{BB962C8B-B14F-4D97-AF65-F5344CB8AC3E}">
@@ -10934,7 +11390,7 @@
 </p:sld>
 </file>
 
-<file path=ppt/slides/slide14.xml><?xml version="1.0" encoding="utf-8"?>
+<file path=ppt/slides/slide15.xml><?xml version="1.0" encoding="utf-8"?>
 <p:sld xmlns:a="http://schemas.openxmlformats.org/drawingml/2006/main" xmlns:r="http://schemas.openxmlformats.org/officeDocument/2006/relationships" xmlns:p="http://schemas.openxmlformats.org/presentationml/2006/main">
   <p:cSld>
     <p:bg>
@@ -11024,6 +11480,36 @@
           </a:sp3d>
         </p:spPr>
       </p:pic>
+      <p:sp>
+        <p:nvSpPr>
+          <p:cNvPr id="3" name="Slide Number Placeholder 2">
+            <a:extLst>
+              <a:ext uri="{FF2B5EF4-FFF2-40B4-BE49-F238E27FC236}">
+                <a16:creationId xmlns:a16="http://schemas.microsoft.com/office/drawing/2014/main" id="{C8CA6F1C-B4AF-4D78-B002-7A14C0082BFC}"/>
+              </a:ext>
+            </a:extLst>
+          </p:cNvPr>
+          <p:cNvSpPr>
+            <a:spLocks noGrp="1"/>
+          </p:cNvSpPr>
+          <p:nvPr>
+            <p:ph type="sldNum" sz="quarter" idx="12"/>
+          </p:nvPr>
+        </p:nvSpPr>
+        <p:spPr/>
+        <p:txBody>
+          <a:bodyPr/>
+          <a:lstStyle/>
+          <a:p>
+            <a:fld id="{D57F1E4F-1CFF-5643-939E-217C01CDF565}" type="slidenum">
+              <a:rPr lang="en-US" smtClean="0"/>
+              <a:pPr/>
+              <a:t>15</a:t>
+            </a:fld>
+            <a:endParaRPr lang="en-US" dirty="0"/>
+          </a:p>
+        </p:txBody>
+      </p:sp>
     </p:spTree>
     <p:extLst>
       <p:ext uri="{BB962C8B-B14F-4D97-AF65-F5344CB8AC3E}">
@@ -11037,7 +11523,7 @@
 </p:sld>
 </file>
 
-<file path=ppt/slides/slide15.xml><?xml version="1.0" encoding="utf-8"?>
+<file path=ppt/slides/slide16.xml><?xml version="1.0" encoding="utf-8"?>
 <p:sld xmlns:a="http://schemas.openxmlformats.org/drawingml/2006/main" xmlns:r="http://schemas.openxmlformats.org/officeDocument/2006/relationships" xmlns:p="http://schemas.openxmlformats.org/presentationml/2006/main">
   <p:cSld>
     <p:bg>
@@ -11141,6 +11627,36 @@
           </a:prstGeom>
         </p:spPr>
       </p:pic>
+      <p:sp>
+        <p:nvSpPr>
+          <p:cNvPr id="3" name="Slide Number Placeholder 2">
+            <a:extLst>
+              <a:ext uri="{FF2B5EF4-FFF2-40B4-BE49-F238E27FC236}">
+                <a16:creationId xmlns:a16="http://schemas.microsoft.com/office/drawing/2014/main" id="{F2A71643-17B0-4BFC-90CF-4E8FBA9F9D27}"/>
+              </a:ext>
+            </a:extLst>
+          </p:cNvPr>
+          <p:cNvSpPr>
+            <a:spLocks noGrp="1"/>
+          </p:cNvSpPr>
+          <p:nvPr>
+            <p:ph type="sldNum" sz="quarter" idx="12"/>
+          </p:nvPr>
+        </p:nvSpPr>
+        <p:spPr/>
+        <p:txBody>
+          <a:bodyPr/>
+          <a:lstStyle/>
+          <a:p>
+            <a:fld id="{D57F1E4F-1CFF-5643-939E-217C01CDF565}" type="slidenum">
+              <a:rPr lang="en-US" smtClean="0"/>
+              <a:pPr/>
+              <a:t>16</a:t>
+            </a:fld>
+            <a:endParaRPr lang="en-US" dirty="0"/>
+          </a:p>
+        </p:txBody>
+      </p:sp>
     </p:spTree>
     <p:extLst>
       <p:ext uri="{BB962C8B-B14F-4D97-AF65-F5344CB8AC3E}">
@@ -11154,9 +11670,31 @@
 </p:sld>
 </file>
 
-<file path=ppt/slides/slide16.xml><?xml version="1.0" encoding="utf-8"?>
+<file path=ppt/slides/slide17.xml><?xml version="1.0" encoding="utf-8"?>
 <p:sld xmlns:a="http://schemas.openxmlformats.org/drawingml/2006/main" xmlns:r="http://schemas.openxmlformats.org/officeDocument/2006/relationships" xmlns:p="http://schemas.openxmlformats.org/presentationml/2006/main">
   <p:cSld>
+    <p:bg>
+      <p:bgPr>
+        <a:blipFill rotWithShape="1">
+          <a:blip r:embed="rId3">
+            <a:duotone>
+              <a:schemeClr val="bg2">
+                <a:shade val="18000"/>
+                <a:satMod val="160000"/>
+                <a:lumMod val="28000"/>
+              </a:schemeClr>
+              <a:schemeClr val="bg2">
+                <a:tint val="95000"/>
+                <a:satMod val="160000"/>
+                <a:lumMod val="116000"/>
+              </a:schemeClr>
+            </a:duotone>
+          </a:blip>
+          <a:stretch/>
+        </a:blipFill>
+        <a:effectLst/>
+      </p:bgPr>
+    </p:bg>
     <p:spTree>
       <p:nvGrpSpPr>
         <p:cNvPr id="1" name=""/>
@@ -11171,6 +11709,131 @@
           <a:chExt cx="0" cy="0"/>
         </a:xfrm>
       </p:grpSpPr>
+      <p:pic>
+        <p:nvPicPr>
+          <p:cNvPr id="8" name="Picture 7" descr="Map&#10;&#10;Description automatically generated">
+            <a:extLst>
+              <a:ext uri="{FF2B5EF4-FFF2-40B4-BE49-F238E27FC236}">
+                <a16:creationId xmlns:a16="http://schemas.microsoft.com/office/drawing/2014/main" id="{0BB19C2C-2CE4-44CC-8EAE-79C59BE89EA0}"/>
+              </a:ext>
+            </a:extLst>
+          </p:cNvPr>
+          <p:cNvPicPr>
+            <a:picLocks noChangeAspect="1"/>
+          </p:cNvPicPr>
+          <p:nvPr/>
+        </p:nvPicPr>
+        <p:blipFill rotWithShape="1">
+          <a:blip r:embed="rId4">
+            <a:alphaModFix amt="35000"/>
+          </a:blip>
+          <a:srcRect t="29"/>
+          <a:stretch/>
+        </p:blipFill>
+        <p:spPr>
+          <a:xfrm>
+            <a:off x="0" y="0"/>
+            <a:ext cx="12192000" cy="6858000"/>
+          </a:xfrm>
+          <a:prstGeom prst="rect">
+            <a:avLst/>
+          </a:prstGeom>
+        </p:spPr>
+      </p:pic>
+      <p:sp>
+        <p:nvSpPr>
+          <p:cNvPr id="13" name="Rectangle 12">
+            <a:extLst>
+              <a:ext uri="{FF2B5EF4-FFF2-40B4-BE49-F238E27FC236}">
+                <a16:creationId xmlns:a16="http://schemas.microsoft.com/office/drawing/2014/main" id="{4DE0D6BE-330A-422D-9BD9-1E18F73C6E1E}"/>
+              </a:ext>
+              <a:ext uri="{C183D7F6-B498-43B3-948B-1728B52AA6E4}">
+                <adec:decorative xmlns:adec="http://schemas.microsoft.com/office/drawing/2017/decorative" val="1"/>
+              </a:ext>
+            </a:extLst>
+          </p:cNvPr>
+          <p:cNvSpPr>
+            <a:spLocks noGrp="1" noRot="1" noChangeAspect="1" noMove="1" noResize="1" noEditPoints="1" noAdjustHandles="1" noChangeArrowheads="1" noChangeShapeType="1" noTextEdit="1"/>
+          </p:cNvSpPr>
+          <p:nvPr>
+            <p:extLst>
+              <p:ext uri="{386F3935-93C4-4BCD-93E2-E3B085C9AB24}">
+                <p16:designElem xmlns:p16="http://schemas.microsoft.com/office/powerpoint/2015/main" val="1"/>
+              </p:ext>
+            </p:extLst>
+          </p:nvPr>
+        </p:nvSpPr>
+        <p:spPr>
+          <a:xfrm>
+            <a:off x="0" y="0"/>
+            <a:ext cx="12192000" cy="6858000"/>
+          </a:xfrm>
+          <a:prstGeom prst="rect">
+            <a:avLst/>
+          </a:prstGeom>
+          <a:gradFill flip="none" rotWithShape="1">
+            <a:gsLst>
+              <a:gs pos="32000">
+                <a:schemeClr val="bg2">
+                  <a:lumMod val="75000"/>
+                  <a:alpha val="3000"/>
+                </a:schemeClr>
+              </a:gs>
+              <a:gs pos="100000">
+                <a:sysClr val="windowText" lastClr="000000">
+                  <a:alpha val="70000"/>
+                </a:sysClr>
+              </a:gs>
+            </a:gsLst>
+            <a:path path="circle">
+              <a:fillToRect l="50000" t="5000" r="50000" b="95000"/>
+            </a:path>
+            <a:tileRect/>
+          </a:gradFill>
+          <a:ln w="9525" cap="flat" cmpd="sng" algn="ctr">
+            <a:noFill/>
+            <a:prstDash val="solid"/>
+          </a:ln>
+          <a:effectLst/>
+        </p:spPr>
+        <p:txBody>
+          <a:bodyPr rtlCol="0" anchor="ctr"/>
+          <a:lstStyle/>
+          <a:p>
+            <a:pPr marL="0" marR="0" lvl="0" indent="0" algn="ctr" defTabSz="457200" eaLnBrk="1" fontAlgn="auto" latinLnBrk="0" hangingPunct="1">
+              <a:lnSpc>
+                <a:spcPct val="100000"/>
+              </a:lnSpc>
+              <a:spcBef>
+                <a:spcPts val="0"/>
+              </a:spcBef>
+              <a:spcAft>
+                <a:spcPts val="0"/>
+              </a:spcAft>
+              <a:buClrTx/>
+              <a:buSzTx/>
+              <a:buFontTx/>
+              <a:buNone/>
+              <a:tabLst/>
+              <a:defRPr/>
+            </a:pPr>
+            <a:endParaRPr kumimoji="0" lang="en-US" sz="1800" b="0" i="0" u="none" strike="noStrike" kern="0" cap="none" spc="0" normalizeH="0" baseline="0" noProof="0">
+              <a:ln>
+                <a:noFill/>
+              </a:ln>
+              <a:solidFill>
+                <a:prstClr val="white"/>
+              </a:solidFill>
+              <a:effectLst/>
+              <a:uLnTx/>
+              <a:uFillTx/>
+              <a:latin typeface="Calibri"/>
+              <a:ea typeface="+mn-ea"/>
+              <a:cs typeface="+mn-cs"/>
+            </a:endParaRPr>
+          </a:p>
+        </p:txBody>
+      </p:sp>
       <p:sp>
         <p:nvSpPr>
           <p:cNvPr id="2" name="Title 1">
@@ -11187,15 +11850,23 @@
             <p:ph type="title"/>
           </p:nvPr>
         </p:nvSpPr>
-        <p:spPr/>
-        <p:txBody>
-          <a:bodyPr/>
+        <p:spPr>
+          <a:xfrm>
+            <a:off x="913795" y="609600"/>
+            <a:ext cx="10353761" cy="1326321"/>
+          </a:xfrm>
+        </p:spPr>
+        <p:txBody>
+          <a:bodyPr>
+            <a:normAutofit/>
+          </a:bodyPr>
           <a:lstStyle/>
           <a:p>
             <a:r>
-              <a:rPr lang="en-US" cap="none" dirty="0"/>
-              <a:t>On to the R Markdown!</a:t>
-            </a:r>
+              <a:rPr lang="en-US" cap="none"/>
+              <a:t>On to the R Markdown and Instruction!</a:t>
+            </a:r>
+            <a:endParaRPr lang="en-US" cap="none" dirty="0"/>
           </a:p>
         </p:txBody>
       </p:sp>
@@ -11215,30 +11886,86 @@
             <p:ph idx="1"/>
           </p:nvPr>
         </p:nvSpPr>
-        <p:spPr/>
-        <p:txBody>
-          <a:bodyPr/>
+        <p:spPr>
+          <a:xfrm>
+            <a:off x="913795" y="2096064"/>
+            <a:ext cx="10353762" cy="3695136"/>
+          </a:xfrm>
+        </p:spPr>
+        <p:txBody>
+          <a:bodyPr>
+            <a:normAutofit/>
+          </a:bodyPr>
           <a:lstStyle/>
           <a:p>
             <a:r>
-              <a:rPr lang="en-US" dirty="0"/>
-              <a:t>Instead of manually pointing, clicking, downloading, unzipping, and renaming the data, we are going to do all of that in R!</a:t>
-            </a:r>
-          </a:p>
-          <a:p>
-            <a:r>
-              <a:rPr lang="en-US" dirty="0"/>
+              <a:rPr lang="en-US"/>
+              <a:t>Instead of manually pointing, clicking, downloading, unzipping, and renaming the data, we are going to do all those tasks in R!</a:t>
+            </a:r>
+          </a:p>
+          <a:p>
+            <a:r>
+              <a:rPr lang="en-US"/>
               <a:t>Then we will process the data to make sure it becomes spatial and maps correctly</a:t>
             </a:r>
           </a:p>
           <a:p>
             <a:r>
-              <a:rPr lang="en-US" dirty="0"/>
+              <a:rPr lang="en-US"/>
               <a:t>Finally, we will plot these points on various maps</a:t>
             </a:r>
           </a:p>
           <a:p>
+            <a:pPr marL="0" indent="0">
+              <a:buNone/>
+            </a:pPr>
             <a:endParaRPr lang="en-US" dirty="0"/>
+          </a:p>
+        </p:txBody>
+      </p:sp>
+      <p:sp>
+        <p:nvSpPr>
+          <p:cNvPr id="5" name="Slide Number Placeholder 4">
+            <a:extLst>
+              <a:ext uri="{FF2B5EF4-FFF2-40B4-BE49-F238E27FC236}">
+                <a16:creationId xmlns:a16="http://schemas.microsoft.com/office/drawing/2014/main" id="{41E14A07-17FD-41AC-A4EC-AB4081B3DCE9}"/>
+              </a:ext>
+            </a:extLst>
+          </p:cNvPr>
+          <p:cNvSpPr>
+            <a:spLocks noGrp="1"/>
+          </p:cNvSpPr>
+          <p:nvPr>
+            <p:ph type="sldNum" sz="quarter" idx="12"/>
+          </p:nvPr>
+        </p:nvSpPr>
+        <p:spPr>
+          <a:xfrm>
+            <a:off x="10514011" y="5883275"/>
+            <a:ext cx="753545" cy="365125"/>
+          </a:xfrm>
+        </p:spPr>
+        <p:txBody>
+          <a:bodyPr>
+            <a:normAutofit/>
+          </a:bodyPr>
+          <a:lstStyle/>
+          <a:p>
+            <a:pPr>
+              <a:spcAft>
+                <a:spcPts val="600"/>
+              </a:spcAft>
+            </a:pPr>
+            <a:fld id="{D57F1E4F-1CFF-5643-939E-217C01CDF565}" type="slidenum">
+              <a:rPr lang="en-US" smtClean="0"/>
+              <a:pPr>
+                <a:spcAft>
+                  <a:spcPts val="600"/>
+                </a:spcAft>
+              </a:pPr>
+              <a:t>17</a:t>
+            </a:fld>
+            <a:endParaRPr lang="en-US"/>
           </a:p>
         </p:txBody>
       </p:sp>
@@ -11323,7 +12050,7 @@
         <p:spPr>
           <a:xfrm>
             <a:off x="890588" y="1400175"/>
-            <a:ext cx="10739438" cy="4031873"/>
+            <a:ext cx="10739438" cy="4524315"/>
           </a:xfrm>
           <a:prstGeom prst="rect">
             <a:avLst/>
@@ -11369,6 +12096,16 @@
             </a:r>
           </a:p>
           <a:p>
+            <a:pPr marL="971550" lvl="1" indent="-514350">
+              <a:buFont typeface="+mj-lt"/>
+              <a:buAutoNum type="alphaUcPeriod"/>
+            </a:pPr>
+            <a:r>
+              <a:rPr lang="en-US" sz="3200" dirty="0"/>
+              <a:t>NYC Open Data Overview</a:t>
+            </a:r>
+          </a:p>
+          <a:p>
             <a:pPr marL="514350" indent="-514350">
               <a:buFont typeface="+mj-lt"/>
               <a:buAutoNum type="romanUcPeriod"/>
@@ -11410,8 +12147,43 @@
             </a:pPr>
             <a:r>
               <a:rPr lang="en-US" sz="3200" dirty="0"/>
-              <a:t>Presenting this data on a map for exploratory and presentation purposes </a:t>
-            </a:r>
+              <a:t>Presenting this data on a map for exploratory and presentation purposes using ggplot2 and </a:t>
+            </a:r>
+            <a:r>
+              <a:rPr lang="en-US" sz="3200" dirty="0" err="1"/>
+              <a:t>tmap</a:t>
+            </a:r>
+            <a:endParaRPr lang="en-US" sz="3200" dirty="0"/>
+          </a:p>
+        </p:txBody>
+      </p:sp>
+      <p:sp>
+        <p:nvSpPr>
+          <p:cNvPr id="3" name="Slide Number Placeholder 2">
+            <a:extLst>
+              <a:ext uri="{FF2B5EF4-FFF2-40B4-BE49-F238E27FC236}">
+                <a16:creationId xmlns:a16="http://schemas.microsoft.com/office/drawing/2014/main" id="{FC33627B-5727-4D2F-8501-0A3662ED1EE4}"/>
+              </a:ext>
+            </a:extLst>
+          </p:cNvPr>
+          <p:cNvSpPr>
+            <a:spLocks noGrp="1"/>
+          </p:cNvSpPr>
+          <p:nvPr>
+            <p:ph type="sldNum" sz="quarter" idx="12"/>
+          </p:nvPr>
+        </p:nvSpPr>
+        <p:spPr/>
+        <p:txBody>
+          <a:bodyPr/>
+          <a:lstStyle/>
+          <a:p>
+            <a:fld id="{D57F1E4F-1CFF-5643-939E-217C01CDF565}" type="slidenum">
+              <a:rPr lang="en-US" smtClean="0"/>
+              <a:pPr/>
+              <a:t>2</a:t>
+            </a:fld>
+            <a:endParaRPr lang="en-US" dirty="0"/>
           </a:p>
         </p:txBody>
       </p:sp>
@@ -11496,7 +12268,7 @@
         <p:spPr>
           <a:xfrm>
             <a:off x="915755" y="1677012"/>
-            <a:ext cx="10739438" cy="4832092"/>
+            <a:ext cx="10739438" cy="3416320"/>
           </a:xfrm>
           <a:prstGeom prst="rect">
             <a:avLst/>
@@ -11514,7 +12286,7 @@
               <a:buChar char="•"/>
             </a:pPr>
             <a:r>
-              <a:rPr lang="en-US" sz="2800" dirty="0"/>
+              <a:rPr lang="en-US" sz="2400" dirty="0"/>
               <a:t>Geospatial data contains geographic information that allows us to visualize it on a map</a:t>
             </a:r>
           </a:p>
@@ -11524,8 +12296,18 @@
               <a:buChar char="•"/>
             </a:pPr>
             <a:r>
-              <a:rPr lang="en-US" sz="2800" dirty="0"/>
-              <a:t>x/y coordinates: derived from the projected coordinate system</a:t>
+              <a:rPr lang="en-US" sz="2400" dirty="0"/>
+              <a:t>x/y coordinates </a:t>
+            </a:r>
+          </a:p>
+          <a:p>
+            <a:pPr marL="1371600" lvl="2" indent="-457200">
+              <a:buFont typeface="Arial" panose="020B0604020202020204" pitchFamily="34" charset="0"/>
+              <a:buChar char="•"/>
+            </a:pPr>
+            <a:r>
+              <a:rPr lang="en-US" sz="2400" dirty="0"/>
+              <a:t>Derived from the projected coordinate system</a:t>
             </a:r>
           </a:p>
           <a:p>
@@ -11534,8 +12316,18 @@
               <a:buChar char="•"/>
             </a:pPr>
             <a:r>
-              <a:rPr lang="en-US" sz="2800" dirty="0"/>
-              <a:t>Lat/long: these are derived from the geographic coordinate system</a:t>
+              <a:rPr lang="en-US" sz="2400" dirty="0"/>
+              <a:t>Lat/long </a:t>
+            </a:r>
+          </a:p>
+          <a:p>
+            <a:pPr marL="1371600" lvl="2" indent="-457200">
+              <a:buFont typeface="Arial" panose="020B0604020202020204" pitchFamily="34" charset="0"/>
+              <a:buChar char="•"/>
+            </a:pPr>
+            <a:r>
+              <a:rPr lang="en-US" sz="2400" dirty="0"/>
+              <a:t>Derived from the geographic coordinate system</a:t>
             </a:r>
           </a:p>
           <a:p>
@@ -11544,7 +12336,7 @@
               <a:buChar char="•"/>
             </a:pPr>
             <a:r>
-              <a:rPr lang="en-US" sz="2800" dirty="0"/>
+              <a:rPr lang="en-US" sz="2400" dirty="0"/>
               <a:t>Street address, city, state, zip code</a:t>
             </a:r>
           </a:p>
@@ -11554,7 +12346,7 @@
               <a:buChar char="•"/>
             </a:pPr>
             <a:r>
-              <a:rPr lang="en-US" sz="2800" dirty="0"/>
+              <a:rPr lang="en-US" sz="2400" dirty="0"/>
               <a:t>Need a geocoder to use address data</a:t>
             </a:r>
           </a:p>
@@ -11564,9 +12356,39 @@
               <a:buChar char="•"/>
             </a:pPr>
             <a:r>
-              <a:rPr lang="en-US" sz="2800" dirty="0"/>
-              <a:t>Above two options are preferred to addresses, as geocoding can be computationally expensive and may require a subscription</a:t>
-            </a:r>
+              <a:rPr lang="en-US" sz="2400" dirty="0"/>
+              <a:t>Computationally expensive and may require a subscription</a:t>
+            </a:r>
+          </a:p>
+        </p:txBody>
+      </p:sp>
+      <p:sp>
+        <p:nvSpPr>
+          <p:cNvPr id="3" name="Slide Number Placeholder 2">
+            <a:extLst>
+              <a:ext uri="{FF2B5EF4-FFF2-40B4-BE49-F238E27FC236}">
+                <a16:creationId xmlns:a16="http://schemas.microsoft.com/office/drawing/2014/main" id="{667166A3-F487-446E-AF53-C38FED6893E7}"/>
+              </a:ext>
+            </a:extLst>
+          </p:cNvPr>
+          <p:cNvSpPr>
+            <a:spLocks noGrp="1"/>
+          </p:cNvSpPr>
+          <p:nvPr>
+            <p:ph type="sldNum" sz="quarter" idx="12"/>
+          </p:nvPr>
+        </p:nvSpPr>
+        <p:spPr/>
+        <p:txBody>
+          <a:bodyPr/>
+          <a:lstStyle/>
+          <a:p>
+            <a:fld id="{D57F1E4F-1CFF-5643-939E-217C01CDF565}" type="slidenum">
+              <a:rPr lang="en-US" smtClean="0"/>
+              <a:pPr/>
+              <a:t>3</a:t>
+            </a:fld>
+            <a:endParaRPr lang="en-US" dirty="0"/>
           </a:p>
         </p:txBody>
       </p:sp>
@@ -11602,6 +12424,191 @@
       </p:grpSpPr>
       <p:sp>
         <p:nvSpPr>
+          <p:cNvPr id="4" name="TextBox 3">
+            <a:extLst>
+              <a:ext uri="{FF2B5EF4-FFF2-40B4-BE49-F238E27FC236}">
+                <a16:creationId xmlns:a16="http://schemas.microsoft.com/office/drawing/2014/main" id="{CFC85E5A-903D-4D51-B15D-013EC5238B1C}"/>
+              </a:ext>
+            </a:extLst>
+          </p:cNvPr>
+          <p:cNvSpPr txBox="1"/>
+          <p:nvPr/>
+        </p:nvSpPr>
+        <p:spPr>
+          <a:xfrm>
+            <a:off x="2852738" y="466725"/>
+            <a:ext cx="6491287" cy="1077218"/>
+          </a:xfrm>
+          <a:prstGeom prst="rect">
+            <a:avLst/>
+          </a:prstGeom>
+          <a:noFill/>
+        </p:spPr>
+        <p:txBody>
+          <a:bodyPr wrap="square" rtlCol="0">
+            <a:spAutoFit/>
+          </a:bodyPr>
+          <a:lstStyle/>
+          <a:p>
+            <a:pPr algn="ctr"/>
+            <a:r>
+              <a:rPr lang="en-US" sz="3200" b="1" dirty="0"/>
+              <a:t>Why Use R for Geospatial Analysis?</a:t>
+            </a:r>
+          </a:p>
+        </p:txBody>
+      </p:sp>
+      <p:sp>
+        <p:nvSpPr>
+          <p:cNvPr id="5" name="TextBox 4">
+            <a:extLst>
+              <a:ext uri="{FF2B5EF4-FFF2-40B4-BE49-F238E27FC236}">
+                <a16:creationId xmlns:a16="http://schemas.microsoft.com/office/drawing/2014/main" id="{441FD835-3327-427C-8316-1600FE2B04EA}"/>
+              </a:ext>
+            </a:extLst>
+          </p:cNvPr>
+          <p:cNvSpPr txBox="1"/>
+          <p:nvPr/>
+        </p:nvSpPr>
+        <p:spPr>
+          <a:xfrm>
+            <a:off x="915755" y="1677012"/>
+            <a:ext cx="10739438" cy="2308324"/>
+          </a:xfrm>
+          <a:prstGeom prst="rect">
+            <a:avLst/>
+          </a:prstGeom>
+          <a:noFill/>
+        </p:spPr>
+        <p:txBody>
+          <a:bodyPr wrap="square" rtlCol="0">
+            <a:spAutoFit/>
+          </a:bodyPr>
+          <a:lstStyle/>
+          <a:p>
+            <a:pPr marL="457200" indent="-457200">
+              <a:buFont typeface="Arial" panose="020B0604020202020204" pitchFamily="34" charset="0"/>
+              <a:buChar char="•"/>
+            </a:pPr>
+            <a:r>
+              <a:rPr lang="en-US" sz="2400" dirty="0"/>
+              <a:t>Enterprise GIS software is costly</a:t>
+            </a:r>
+          </a:p>
+          <a:p>
+            <a:pPr marL="457200" indent="-457200">
+              <a:buFont typeface="Arial" panose="020B0604020202020204" pitchFamily="34" charset="0"/>
+              <a:buChar char="•"/>
+            </a:pPr>
+            <a:r>
+              <a:rPr lang="en-US" sz="2400" dirty="0"/>
+              <a:t>Allows us to automate processes</a:t>
+            </a:r>
+          </a:p>
+          <a:p>
+            <a:pPr marL="914400" lvl="1" indent="-457200">
+              <a:buFont typeface="Arial" panose="020B0604020202020204" pitchFamily="34" charset="0"/>
+              <a:buChar char="•"/>
+            </a:pPr>
+            <a:r>
+              <a:rPr lang="en-US" sz="2400" dirty="0"/>
+              <a:t>Less “point and click” </a:t>
+            </a:r>
+          </a:p>
+          <a:p>
+            <a:pPr marL="914400" lvl="1" indent="-457200">
+              <a:buFont typeface="Arial" panose="020B0604020202020204" pitchFamily="34" charset="0"/>
+              <a:buChar char="•"/>
+            </a:pPr>
+            <a:r>
+              <a:rPr lang="en-US" sz="2400" dirty="0"/>
+              <a:t>there’s a trail of code to retrace your steps; better reproducibility</a:t>
+            </a:r>
+          </a:p>
+          <a:p>
+            <a:pPr marL="457200" indent="-457200">
+              <a:buFont typeface="Arial" panose="020B0604020202020204" pitchFamily="34" charset="0"/>
+              <a:buChar char="•"/>
+            </a:pPr>
+            <a:r>
+              <a:rPr lang="en-US" sz="2400" dirty="0"/>
+              <a:t>Interactive mapping capabilities</a:t>
+            </a:r>
+          </a:p>
+          <a:p>
+            <a:pPr marL="914400" lvl="1" indent="-457200">
+              <a:buFont typeface="Arial" panose="020B0604020202020204" pitchFamily="34" charset="0"/>
+              <a:buChar char="•"/>
+            </a:pPr>
+            <a:r>
+              <a:rPr lang="en-US" sz="2400" dirty="0"/>
+              <a:t>Useful for exploratory purposes and creating shiny apps </a:t>
+            </a:r>
+          </a:p>
+        </p:txBody>
+      </p:sp>
+      <p:sp>
+        <p:nvSpPr>
+          <p:cNvPr id="3" name="Slide Number Placeholder 2">
+            <a:extLst>
+              <a:ext uri="{FF2B5EF4-FFF2-40B4-BE49-F238E27FC236}">
+                <a16:creationId xmlns:a16="http://schemas.microsoft.com/office/drawing/2014/main" id="{667166A3-F487-446E-AF53-C38FED6893E7}"/>
+              </a:ext>
+            </a:extLst>
+          </p:cNvPr>
+          <p:cNvSpPr>
+            <a:spLocks noGrp="1"/>
+          </p:cNvSpPr>
+          <p:nvPr>
+            <p:ph type="sldNum" sz="quarter" idx="12"/>
+          </p:nvPr>
+        </p:nvSpPr>
+        <p:spPr/>
+        <p:txBody>
+          <a:bodyPr/>
+          <a:lstStyle/>
+          <a:p>
+            <a:fld id="{D57F1E4F-1CFF-5643-939E-217C01CDF565}" type="slidenum">
+              <a:rPr lang="en-US" smtClean="0"/>
+              <a:pPr/>
+              <a:t>4</a:t>
+            </a:fld>
+            <a:endParaRPr lang="en-US" dirty="0"/>
+          </a:p>
+        </p:txBody>
+      </p:sp>
+    </p:spTree>
+    <p:extLst>
+      <p:ext uri="{BB962C8B-B14F-4D97-AF65-F5344CB8AC3E}">
+        <p14:creationId xmlns:p14="http://schemas.microsoft.com/office/powerpoint/2010/main" val="929207231"/>
+      </p:ext>
+    </p:extLst>
+  </p:cSld>
+  <p:clrMapOvr>
+    <a:masterClrMapping/>
+  </p:clrMapOvr>
+</p:sld>
+</file>
+
+<file path=ppt/slides/slide5.xml><?xml version="1.0" encoding="utf-8"?>
+<p:sld xmlns:a="http://schemas.openxmlformats.org/drawingml/2006/main" xmlns:r="http://schemas.openxmlformats.org/officeDocument/2006/relationships" xmlns:p="http://schemas.openxmlformats.org/presentationml/2006/main">
+  <p:cSld>
+    <p:spTree>
+      <p:nvGrpSpPr>
+        <p:cNvPr id="1" name=""/>
+        <p:cNvGrpSpPr/>
+        <p:nvPr/>
+      </p:nvGrpSpPr>
+      <p:grpSpPr>
+        <a:xfrm>
+          <a:off x="0" y="0"/>
+          <a:ext cx="0" cy="0"/>
+          <a:chOff x="0" y="0"/>
+          <a:chExt cx="0" cy="0"/>
+        </a:xfrm>
+      </p:grpSpPr>
+      <p:sp>
+        <p:nvSpPr>
           <p:cNvPr id="2" name="Title 1">
             <a:extLst>
               <a:ext uri="{FF2B5EF4-FFF2-40B4-BE49-F238E27FC236}">
@@ -11623,7 +12630,14 @@
           <a:p>
             <a:r>
               <a:rPr lang="en-US" cap="none" dirty="0"/>
-              <a:t>Global Coordinate Systems vs. Projected Coordinate System</a:t>
+              <a:t>Global Coordinate System vs. </a:t>
+            </a:r>
+            <a:br>
+              <a:rPr lang="en-US" cap="none" dirty="0"/>
+            </a:br>
+            <a:r>
+              <a:rPr lang="en-US" cap="none" dirty="0"/>
+              <a:t>Projected Coordinate System</a:t>
             </a:r>
           </a:p>
         </p:txBody>
@@ -11646,54 +12660,86 @@
         </p:nvSpPr>
         <p:spPr/>
         <p:txBody>
+          <a:bodyPr>
+            <a:noAutofit/>
+          </a:bodyPr>
+          <a:lstStyle/>
+          <a:p>
+            <a:r>
+              <a:rPr lang="en-US" dirty="0"/>
+              <a:t>Every geospatial data set is mapped to a coordinate system</a:t>
+            </a:r>
+          </a:p>
+          <a:p>
+            <a:pPr lvl="1"/>
+            <a:r>
+              <a:rPr lang="en-US" sz="2000" dirty="0"/>
+              <a:t>Latitude/longitude</a:t>
+            </a:r>
+          </a:p>
+          <a:p>
+            <a:pPr lvl="1"/>
+            <a:r>
+              <a:rPr lang="en-US" sz="2000" dirty="0"/>
+              <a:t>Measured in degrees; in relation to the entire globe</a:t>
+            </a:r>
+          </a:p>
+          <a:p>
+            <a:pPr lvl="1"/>
+            <a:r>
+              <a:rPr lang="en-US" sz="2000" dirty="0"/>
+              <a:t>Cannot measure distance using a global coordinate system</a:t>
+            </a:r>
+          </a:p>
+          <a:p>
+            <a:r>
+              <a:rPr lang="en-US" dirty="0"/>
+              <a:t>A projected coordinate system allows you to measure distance between locations</a:t>
+            </a:r>
+          </a:p>
+          <a:p>
+            <a:pPr lvl="1"/>
+            <a:r>
+              <a:rPr lang="en-US" sz="2000" dirty="0"/>
+              <a:t>Projections are specific to the region you’re mapping</a:t>
+            </a:r>
+          </a:p>
+          <a:p>
+            <a:pPr lvl="1"/>
+            <a:r>
+              <a:rPr lang="en-US" sz="2000" dirty="0"/>
+              <a:t>Projections are inherently distorted because you are taking a round surface (the globe) and flattening it on to a map</a:t>
+            </a:r>
+          </a:p>
+        </p:txBody>
+      </p:sp>
+      <p:sp>
+        <p:nvSpPr>
+          <p:cNvPr id="5" name="Slide Number Placeholder 4">
+            <a:extLst>
+              <a:ext uri="{FF2B5EF4-FFF2-40B4-BE49-F238E27FC236}">
+                <a16:creationId xmlns:a16="http://schemas.microsoft.com/office/drawing/2014/main" id="{8CB6989D-C4E3-4382-9BFC-4640CC8CE7FE}"/>
+              </a:ext>
+            </a:extLst>
+          </p:cNvPr>
+          <p:cNvSpPr>
+            <a:spLocks noGrp="1"/>
+          </p:cNvSpPr>
+          <p:nvPr>
+            <p:ph type="sldNum" sz="quarter" idx="12"/>
+          </p:nvPr>
+        </p:nvSpPr>
+        <p:spPr/>
+        <p:txBody>
           <a:bodyPr/>
           <a:lstStyle/>
           <a:p>
-            <a:r>
-              <a:rPr lang="en-US" dirty="0"/>
-              <a:t>Every geospatial data set is mapped to a coordinate system</a:t>
-            </a:r>
-          </a:p>
-          <a:p>
-            <a:pPr lvl="1"/>
-            <a:r>
-              <a:rPr lang="en-US" dirty="0"/>
-              <a:t>Latitude/longitude</a:t>
-            </a:r>
-          </a:p>
-          <a:p>
-            <a:pPr lvl="1"/>
-            <a:r>
-              <a:rPr lang="en-US" dirty="0"/>
-              <a:t>Measured in degrees; in relation to the entire globe</a:t>
-            </a:r>
-          </a:p>
-          <a:p>
-            <a:pPr lvl="1"/>
-            <a:r>
-              <a:rPr lang="en-US" dirty="0"/>
-              <a:t>CANNOT measure distance using a global coordinate system</a:t>
-            </a:r>
-          </a:p>
-          <a:p>
-            <a:r>
-              <a:rPr lang="en-US" dirty="0"/>
-              <a:t>A projected coordinate system allows you to measure distance between locations</a:t>
-            </a:r>
-          </a:p>
-          <a:p>
-            <a:pPr lvl="1"/>
-            <a:r>
-              <a:rPr lang="en-US" dirty="0"/>
-              <a:t>Projections are specific to the region you’re mapping</a:t>
-            </a:r>
-          </a:p>
-          <a:p>
-            <a:pPr lvl="1"/>
-            <a:r>
-              <a:rPr lang="en-US" dirty="0"/>
-              <a:t>Projections are inherently distorted because you are taking a round surface (the globe) and flattening it on to a map</a:t>
-            </a:r>
+            <a:fld id="{D57F1E4F-1CFF-5643-939E-217C01CDF565}" type="slidenum">
+              <a:rPr lang="en-US" smtClean="0"/>
+              <a:pPr/>
+              <a:t>5</a:t>
+            </a:fld>
+            <a:endParaRPr lang="en-US" dirty="0"/>
           </a:p>
         </p:txBody>
       </p:sp>
@@ -11710,7 +12756,7 @@
 </p:sld>
 </file>
 
-<file path=ppt/slides/slide5.xml><?xml version="1.0" encoding="utf-8"?>
+<file path=ppt/slides/slide6.xml><?xml version="1.0" encoding="utf-8"?>
 <p:sld xmlns:a="http://schemas.openxmlformats.org/drawingml/2006/main" xmlns:r="http://schemas.openxmlformats.org/officeDocument/2006/relationships" xmlns:p="http://schemas.openxmlformats.org/presentationml/2006/main">
   <p:cSld>
     <p:bg>
@@ -12050,6 +13096,36 @@
           </a:p>
         </p:txBody>
       </p:sp>
+      <p:sp>
+        <p:nvSpPr>
+          <p:cNvPr id="4" name="Slide Number Placeholder 3">
+            <a:extLst>
+              <a:ext uri="{FF2B5EF4-FFF2-40B4-BE49-F238E27FC236}">
+                <a16:creationId xmlns:a16="http://schemas.microsoft.com/office/drawing/2014/main" id="{D14D0BD3-13B3-4F0B-95EB-CA13C876EEFA}"/>
+              </a:ext>
+            </a:extLst>
+          </p:cNvPr>
+          <p:cNvSpPr>
+            <a:spLocks noGrp="1"/>
+          </p:cNvSpPr>
+          <p:nvPr>
+            <p:ph type="sldNum" sz="quarter" idx="12"/>
+          </p:nvPr>
+        </p:nvSpPr>
+        <p:spPr/>
+        <p:txBody>
+          <a:bodyPr/>
+          <a:lstStyle/>
+          <a:p>
+            <a:fld id="{D57F1E4F-1CFF-5643-939E-217C01CDF565}" type="slidenum">
+              <a:rPr lang="en-US" smtClean="0"/>
+              <a:pPr/>
+              <a:t>6</a:t>
+            </a:fld>
+            <a:endParaRPr lang="en-US" dirty="0"/>
+          </a:p>
+        </p:txBody>
+      </p:sp>
     </p:spTree>
     <p:extLst>
       <p:ext uri="{BB962C8B-B14F-4D97-AF65-F5344CB8AC3E}">
@@ -12063,7 +13139,7 @@
 </p:sld>
 </file>
 
-<file path=ppt/slides/slide6.xml><?xml version="1.0" encoding="utf-8"?>
+<file path=ppt/slides/slide7.xml><?xml version="1.0" encoding="utf-8"?>
 <p:sld xmlns:a="http://schemas.openxmlformats.org/drawingml/2006/main" xmlns:r="http://schemas.openxmlformats.org/officeDocument/2006/relationships" xmlns:p="http://schemas.openxmlformats.org/presentationml/2006/main">
   <p:cSld>
     <p:bg>
@@ -12141,7 +13217,7 @@
               </a:spcAft>
             </a:pPr>
             <a:r>
-              <a:rPr lang="en-US" sz="3400" b="1" cap="all">
+              <a:rPr lang="en-US" sz="3400" b="1" dirty="0">
                 <a:effectLst>
                   <a:outerShdw blurRad="50800" dist="63500" dir="2700000" algn="tl" rotWithShape="0">
                     <a:srgbClr val="000000">
@@ -12153,7 +13229,7 @@
                 <a:ea typeface="+mj-ea"/>
                 <a:cs typeface="+mj-cs"/>
               </a:rPr>
-              <a:t>File formats of geospatial data</a:t>
+              <a:t>File Formats of Geospatial Data</a:t>
             </a:r>
           </a:p>
         </p:txBody>
@@ -12186,6 +13262,36 @@
           </a:graphicData>
         </a:graphic>
       </p:graphicFrame>
+      <p:sp>
+        <p:nvSpPr>
+          <p:cNvPr id="3" name="Slide Number Placeholder 2">
+            <a:extLst>
+              <a:ext uri="{FF2B5EF4-FFF2-40B4-BE49-F238E27FC236}">
+                <a16:creationId xmlns:a16="http://schemas.microsoft.com/office/drawing/2014/main" id="{DDEEA173-9728-4772-BAEF-CECD39D50208}"/>
+              </a:ext>
+            </a:extLst>
+          </p:cNvPr>
+          <p:cNvSpPr>
+            <a:spLocks noGrp="1"/>
+          </p:cNvSpPr>
+          <p:nvPr>
+            <p:ph type="sldNum" sz="quarter" idx="12"/>
+          </p:nvPr>
+        </p:nvSpPr>
+        <p:spPr/>
+        <p:txBody>
+          <a:bodyPr/>
+          <a:lstStyle/>
+          <a:p>
+            <a:fld id="{D57F1E4F-1CFF-5643-939E-217C01CDF565}" type="slidenum">
+              <a:rPr lang="en-US" smtClean="0"/>
+              <a:pPr/>
+              <a:t>7</a:t>
+            </a:fld>
+            <a:endParaRPr lang="en-US" dirty="0"/>
+          </a:p>
+        </p:txBody>
+      </p:sp>
     </p:spTree>
     <p:extLst>
       <p:ext uri="{BB962C8B-B14F-4D97-AF65-F5344CB8AC3E}">
@@ -12199,7 +13305,7 @@
 </p:sld>
 </file>
 
-<file path=ppt/slides/slide7.xml><?xml version="1.0" encoding="utf-8"?>
+<file path=ppt/slides/slide8.xml><?xml version="1.0" encoding="utf-8"?>
 <p:sld xmlns:a="http://schemas.openxmlformats.org/drawingml/2006/main" xmlns:r="http://schemas.openxmlformats.org/officeDocument/2006/relationships" xmlns:p="http://schemas.openxmlformats.org/presentationml/2006/main">
   <p:cSld>
     <p:spTree>
@@ -12296,8 +13402,38 @@
             <a:pPr lvl="2"/>
             <a:r>
               <a:rPr lang="en-US" dirty="0"/>
-              <a:t>This has to be read outside of R, as it’s normally a pdf or a formatted excel file</a:t>
-            </a:r>
+              <a:t>This is read/viewed outside of R, as it’s normally a pdf or a formatted excel file</a:t>
+            </a:r>
+          </a:p>
+        </p:txBody>
+      </p:sp>
+      <p:sp>
+        <p:nvSpPr>
+          <p:cNvPr id="5" name="Slide Number Placeholder 4">
+            <a:extLst>
+              <a:ext uri="{FF2B5EF4-FFF2-40B4-BE49-F238E27FC236}">
+                <a16:creationId xmlns:a16="http://schemas.microsoft.com/office/drawing/2014/main" id="{0FBB5F73-419C-4368-8D6C-D39124F9B8B2}"/>
+              </a:ext>
+            </a:extLst>
+          </p:cNvPr>
+          <p:cNvSpPr>
+            <a:spLocks noGrp="1"/>
+          </p:cNvSpPr>
+          <p:nvPr>
+            <p:ph type="sldNum" sz="quarter" idx="12"/>
+          </p:nvPr>
+        </p:nvSpPr>
+        <p:spPr/>
+        <p:txBody>
+          <a:bodyPr/>
+          <a:lstStyle/>
+          <a:p>
+            <a:fld id="{D57F1E4F-1CFF-5643-939E-217C01CDF565}" type="slidenum">
+              <a:rPr lang="en-US" smtClean="0"/>
+              <a:pPr/>
+              <a:t>8</a:t>
+            </a:fld>
+            <a:endParaRPr lang="en-US" dirty="0"/>
           </a:p>
         </p:txBody>
       </p:sp>
@@ -12305,256 +13441,6 @@
     <p:extLst>
       <p:ext uri="{BB962C8B-B14F-4D97-AF65-F5344CB8AC3E}">
         <p14:creationId xmlns:p14="http://schemas.microsoft.com/office/powerpoint/2010/main" val="1324299389"/>
-      </p:ext>
-    </p:extLst>
-  </p:cSld>
-  <p:clrMapOvr>
-    <a:masterClrMapping/>
-  </p:clrMapOvr>
-</p:sld>
-</file>
-
-<file path=ppt/slides/slide8.xml><?xml version="1.0" encoding="utf-8"?>
-<p:sld xmlns:a="http://schemas.openxmlformats.org/drawingml/2006/main" xmlns:r="http://schemas.openxmlformats.org/officeDocument/2006/relationships" xmlns:p="http://schemas.openxmlformats.org/presentationml/2006/main">
-  <p:cSld>
-    <p:bg>
-      <p:bgPr>
-        <a:blipFill rotWithShape="1">
-          <a:blip r:embed="rId2">
-            <a:duotone>
-              <a:schemeClr val="bg2">
-                <a:shade val="18000"/>
-                <a:satMod val="160000"/>
-                <a:lumMod val="28000"/>
-              </a:schemeClr>
-              <a:schemeClr val="bg2">
-                <a:tint val="95000"/>
-                <a:satMod val="160000"/>
-                <a:lumMod val="116000"/>
-              </a:schemeClr>
-            </a:duotone>
-          </a:blip>
-          <a:stretch/>
-        </a:blipFill>
-        <a:effectLst/>
-      </p:bgPr>
-    </p:bg>
-    <p:spTree>
-      <p:nvGrpSpPr>
-        <p:cNvPr id="1" name=""/>
-        <p:cNvGrpSpPr/>
-        <p:nvPr/>
-      </p:nvGrpSpPr>
-      <p:grpSpPr>
-        <a:xfrm>
-          <a:off x="0" y="0"/>
-          <a:ext cx="0" cy="0"/>
-          <a:chOff x="0" y="0"/>
-          <a:chExt cx="0" cy="0"/>
-        </a:xfrm>
-      </p:grpSpPr>
-      <p:sp>
-        <p:nvSpPr>
-          <p:cNvPr id="2" name="Title 1">
-            <a:extLst>
-              <a:ext uri="{FF2B5EF4-FFF2-40B4-BE49-F238E27FC236}">
-                <a16:creationId xmlns:a16="http://schemas.microsoft.com/office/drawing/2014/main" id="{A82F53DB-419A-40BA-A57F-E4BBF9AAC222}"/>
-              </a:ext>
-            </a:extLst>
-          </p:cNvPr>
-          <p:cNvSpPr>
-            <a:spLocks noGrp="1"/>
-          </p:cNvSpPr>
-          <p:nvPr>
-            <p:ph type="title"/>
-          </p:nvPr>
-        </p:nvSpPr>
-        <p:spPr>
-          <a:xfrm>
-            <a:off x="4927472" y="609600"/>
-            <a:ext cx="6340084" cy="1326321"/>
-          </a:xfrm>
-        </p:spPr>
-        <p:txBody>
-          <a:bodyPr>
-            <a:normAutofit/>
-          </a:bodyPr>
-          <a:lstStyle/>
-          <a:p>
-            <a:r>
-              <a:rPr lang="en-US" cap="none"/>
-              <a:t>Sample Metadata</a:t>
-            </a:r>
-            <a:endParaRPr lang="en-US" cap="none" dirty="0"/>
-          </a:p>
-        </p:txBody>
-      </p:sp>
-      <p:pic>
-        <p:nvPicPr>
-          <p:cNvPr id="10" name="Picture 9" descr="First page of LION data dictionary that describes who owns the data and spatial information.">
-            <a:extLst>
-              <a:ext uri="{FF2B5EF4-FFF2-40B4-BE49-F238E27FC236}">
-                <a16:creationId xmlns:a16="http://schemas.microsoft.com/office/drawing/2014/main" id="{AAFCFD43-806E-4E33-A47B-006951A5852B}"/>
-              </a:ext>
-            </a:extLst>
-          </p:cNvPr>
-          <p:cNvPicPr>
-            <a:picLocks noChangeAspect="1"/>
-          </p:cNvPicPr>
-          <p:nvPr/>
-        </p:nvPicPr>
-        <p:blipFill rotWithShape="1">
-          <a:blip r:embed="rId3"/>
-          <a:srcRect l="653" r="16403"/>
-          <a:stretch/>
-        </p:blipFill>
-        <p:spPr>
-          <a:xfrm>
-            <a:off x="20" y="10"/>
-            <a:ext cx="4635987" cy="6857990"/>
-          </a:xfrm>
-          <a:prstGeom prst="rect">
-            <a:avLst/>
-          </a:prstGeom>
-        </p:spPr>
-      </p:pic>
-      <p:sp>
-        <p:nvSpPr>
-          <p:cNvPr id="20" name="Content Placeholder 19">
-            <a:extLst>
-              <a:ext uri="{FF2B5EF4-FFF2-40B4-BE49-F238E27FC236}">
-                <a16:creationId xmlns:a16="http://schemas.microsoft.com/office/drawing/2014/main" id="{4B7965C6-ECA4-41AE-8874-22560D5EEBC7}"/>
-              </a:ext>
-            </a:extLst>
-          </p:cNvPr>
-          <p:cNvSpPr>
-            <a:spLocks noGrp="1"/>
-          </p:cNvSpPr>
-          <p:nvPr>
-            <p:ph idx="1"/>
-          </p:nvPr>
-        </p:nvSpPr>
-        <p:spPr>
-          <a:xfrm>
-            <a:off x="4927471" y="2096064"/>
-            <a:ext cx="6340085" cy="3695136"/>
-          </a:xfrm>
-        </p:spPr>
-        <p:txBody>
-          <a:bodyPr>
-            <a:normAutofit/>
-          </a:bodyPr>
-          <a:lstStyle/>
-          <a:p>
-            <a:r>
-              <a:rPr lang="en-US" dirty="0"/>
-              <a:t>This is an example of the data dictionary for New York City’s LION file</a:t>
-            </a:r>
-          </a:p>
-          <a:p>
-            <a:r>
-              <a:rPr lang="en-US" dirty="0"/>
-              <a:t>LION is a representation of NYC’s street and boundary network</a:t>
-            </a:r>
-          </a:p>
-          <a:p>
-            <a:r>
-              <a:rPr lang="en-US" dirty="0"/>
-              <a:t>Note the details</a:t>
-            </a:r>
-          </a:p>
-          <a:p>
-            <a:pPr lvl="1"/>
-            <a:r>
-              <a:rPr lang="en-US" dirty="0"/>
-              <a:t>Who created/maintains the data</a:t>
-            </a:r>
-          </a:p>
-          <a:p>
-            <a:pPr lvl="1"/>
-            <a:r>
-              <a:rPr lang="en-US" dirty="0"/>
-              <a:t>Projection</a:t>
-            </a:r>
-          </a:p>
-          <a:p>
-            <a:pPr lvl="1"/>
-            <a:r>
-              <a:rPr lang="en-US" dirty="0"/>
-              <a:t>Coordinate system</a:t>
-            </a:r>
-          </a:p>
-          <a:p>
-            <a:endParaRPr lang="en-US" dirty="0"/>
-          </a:p>
-        </p:txBody>
-      </p:sp>
-      <p:cxnSp>
-        <p:nvCxnSpPr>
-          <p:cNvPr id="53" name="Straight Connector 46">
-            <a:extLst>
-              <a:ext uri="{FF2B5EF4-FFF2-40B4-BE49-F238E27FC236}">
-                <a16:creationId xmlns:a16="http://schemas.microsoft.com/office/drawing/2014/main" id="{E2A31A05-19BB-4F84-9402-E8569CBDBDB3}"/>
-              </a:ext>
-              <a:ext uri="{C183D7F6-B498-43B3-948B-1728B52AA6E4}">
-                <adec:decorative xmlns:adec="http://schemas.microsoft.com/office/drawing/2017/decorative" val="1"/>
-              </a:ext>
-            </a:extLst>
-          </p:cNvPr>
-          <p:cNvCxnSpPr>
-            <a:cxnSpLocks noGrp="1" noRot="1" noChangeAspect="1" noMove="1" noResize="1" noEditPoints="1" noAdjustHandles="1" noChangeArrowheads="1" noChangeShapeType="1"/>
-          </p:cNvCxnSpPr>
-          <p:nvPr>
-            <p:extLst>
-              <p:ext uri="{386F3935-93C4-4BCD-93E2-E3B085C9AB24}">
-                <p16:designElem xmlns:p16="http://schemas.microsoft.com/office/powerpoint/2015/main" val="1"/>
-              </p:ext>
-            </p:extLst>
-          </p:nvPr>
-        </p:nvCxnSpPr>
-        <p:spPr>
-          <a:xfrm>
-            <a:off x="4636007" y="45720"/>
-            <a:ext cx="0" cy="6766560"/>
-          </a:xfrm>
-          <a:prstGeom prst="line">
-            <a:avLst/>
-          </a:prstGeom>
-          <a:ln w="190500" cap="sq">
-            <a:solidFill>
-              <a:srgbClr val="FFFFFF"/>
-            </a:solidFill>
-            <a:miter lim="800000"/>
-          </a:ln>
-          <a:scene3d>
-            <a:camera prst="orthographicFront"/>
-            <a:lightRig rig="twoPt" dir="t">
-              <a:rot lat="0" lon="0" rev="7200000"/>
-            </a:lightRig>
-          </a:scene3d>
-          <a:sp3d>
-            <a:bevelT w="25400" h="19050"/>
-          </a:sp3d>
-        </p:spPr>
-        <p:style>
-          <a:lnRef idx="1">
-            <a:schemeClr val="accent1"/>
-          </a:lnRef>
-          <a:fillRef idx="0">
-            <a:schemeClr val="accent1"/>
-          </a:fillRef>
-          <a:effectRef idx="0">
-            <a:schemeClr val="accent1"/>
-          </a:effectRef>
-          <a:fontRef idx="minor">
-            <a:schemeClr val="tx1"/>
-          </a:fontRef>
-        </p:style>
-      </p:cxnSp>
-    </p:spTree>
-    <p:extLst>
-      <p:ext uri="{BB962C8B-B14F-4D97-AF65-F5344CB8AC3E}">
-        <p14:creationId xmlns:p14="http://schemas.microsoft.com/office/powerpoint/2010/main" val="2054006363"/>
       </p:ext>
     </p:extLst>
   </p:cSld>
@@ -12608,7 +13494,7 @@
           <p:cNvPr id="2" name="Title 1">
             <a:extLst>
               <a:ext uri="{FF2B5EF4-FFF2-40B4-BE49-F238E27FC236}">
-                <a16:creationId xmlns:a16="http://schemas.microsoft.com/office/drawing/2014/main" id="{9D691EA1-5131-435D-B7CE-ABDDC645DED1}"/>
+                <a16:creationId xmlns:a16="http://schemas.microsoft.com/office/drawing/2014/main" id="{A82F53DB-419A-40BA-A57F-E4BBF9AAC222}"/>
               </a:ext>
             </a:extLst>
           </p:cNvPr>
@@ -12632,18 +13518,19 @@
           <a:lstStyle/>
           <a:p>
             <a:r>
-              <a:rPr lang="en-US" cap="none" dirty="0"/>
-              <a:t>Detailed Information in Shapefile Data Dictionary</a:t>
-            </a:r>
+              <a:rPr lang="en-US" cap="none"/>
+              <a:t>Sample Metadata</a:t>
+            </a:r>
+            <a:endParaRPr lang="en-US" cap="none" dirty="0"/>
           </a:p>
         </p:txBody>
       </p:sp>
       <p:pic>
         <p:nvPicPr>
-          <p:cNvPr id="5" name="Content Placeholder 4" descr="FeatureTyp column values descriptions from the NYC Lion dataset.">
+          <p:cNvPr id="10" name="Picture 9" descr="First page of LION data dictionary that describes who owns the data and spatial information.">
             <a:extLst>
               <a:ext uri="{FF2B5EF4-FFF2-40B4-BE49-F238E27FC236}">
-                <a16:creationId xmlns:a16="http://schemas.microsoft.com/office/drawing/2014/main" id="{3EBE1958-C1F8-4CAA-96CE-8E081EE812EF}"/>
+                <a16:creationId xmlns:a16="http://schemas.microsoft.com/office/drawing/2014/main" id="{AAFCFD43-806E-4E33-A47B-006951A5852B}"/>
               </a:ext>
             </a:extLst>
           </p:cNvPr>
@@ -12654,7 +13541,7 @@
         </p:nvPicPr>
         <p:blipFill rotWithShape="1">
           <a:blip r:embed="rId3"/>
-          <a:srcRect l="2258" r="9087"/>
+          <a:srcRect l="653" r="16403"/>
           <a:stretch/>
         </p:blipFill>
         <p:spPr>
@@ -12669,10 +13556,10 @@
       </p:pic>
       <p:sp>
         <p:nvSpPr>
-          <p:cNvPr id="18" name="Content Placeholder 8">
+          <p:cNvPr id="20" name="Content Placeholder 19">
             <a:extLst>
               <a:ext uri="{FF2B5EF4-FFF2-40B4-BE49-F238E27FC236}">
-                <a16:creationId xmlns:a16="http://schemas.microsoft.com/office/drawing/2014/main" id="{A74BE6A6-7AB9-4A9A-B52E-7608366D69D1}"/>
+                <a16:creationId xmlns:a16="http://schemas.microsoft.com/office/drawing/2014/main" id="{4B7965C6-ECA4-41AE-8874-22560D5EEBC7}"/>
               </a:ext>
             </a:extLst>
           </p:cNvPr>
@@ -12697,28 +13584,50 @@
           <a:p>
             <a:r>
               <a:rPr lang="en-US" dirty="0"/>
-              <a:t>In addition to spatial information, those who maintain shapefiles will provide documentation of the columns and their definitions</a:t>
+              <a:t>This is an example of the data dictionary for New York City’s LION file</a:t>
             </a:r>
           </a:p>
           <a:p>
             <a:r>
               <a:rPr lang="en-US" dirty="0"/>
-              <a:t>This column </a:t>
-            </a:r>
-            <a:r>
-              <a:rPr lang="en-US" dirty="0" err="1"/>
-              <a:t>FeatureTyp</a:t>
-            </a:r>
+              <a:t>LION is a representation of NYC’s street and boundary network</a:t>
+            </a:r>
+          </a:p>
+          <a:p>
             <a:r>
               <a:rPr lang="en-US" dirty="0"/>
-              <a:t>, is essential in determining what lines in the data are true streets, boundaries, railroads, or other lines that may not be associated with the street network</a:t>
-            </a:r>
+              <a:t>Note the details</a:t>
+            </a:r>
+          </a:p>
+          <a:p>
+            <a:pPr lvl="1"/>
+            <a:r>
+              <a:rPr lang="en-US" dirty="0"/>
+              <a:t>Who created/maintains the data</a:t>
+            </a:r>
+          </a:p>
+          <a:p>
+            <a:pPr lvl="1"/>
+            <a:r>
+              <a:rPr lang="en-US" dirty="0"/>
+              <a:t>Projection</a:t>
+            </a:r>
+          </a:p>
+          <a:p>
+            <a:pPr lvl="1"/>
+            <a:r>
+              <a:rPr lang="en-US" dirty="0"/>
+              <a:t>Coordinate system</a:t>
+            </a:r>
+          </a:p>
+          <a:p>
+            <a:endParaRPr lang="en-US" dirty="0"/>
           </a:p>
         </p:txBody>
       </p:sp>
       <p:cxnSp>
         <p:nvCxnSpPr>
-          <p:cNvPr id="19" name="Straight Connector 11">
+          <p:cNvPr id="53" name="Straight Connector 46">
             <a:extLst>
               <a:ext uri="{FF2B5EF4-FFF2-40B4-BE49-F238E27FC236}">
                 <a16:creationId xmlns:a16="http://schemas.microsoft.com/office/drawing/2014/main" id="{E2A31A05-19BB-4F84-9402-E8569CBDBDB3}"/>
@@ -12778,10 +13687,40 @@
           </a:fontRef>
         </p:style>
       </p:cxnSp>
+      <p:sp>
+        <p:nvSpPr>
+          <p:cNvPr id="4" name="Slide Number Placeholder 3">
+            <a:extLst>
+              <a:ext uri="{FF2B5EF4-FFF2-40B4-BE49-F238E27FC236}">
+                <a16:creationId xmlns:a16="http://schemas.microsoft.com/office/drawing/2014/main" id="{C3924067-AB78-434B-AB7F-839ECB6359BE}"/>
+              </a:ext>
+            </a:extLst>
+          </p:cNvPr>
+          <p:cNvSpPr>
+            <a:spLocks noGrp="1"/>
+          </p:cNvSpPr>
+          <p:nvPr>
+            <p:ph type="sldNum" sz="quarter" idx="12"/>
+          </p:nvPr>
+        </p:nvSpPr>
+        <p:spPr/>
+        <p:txBody>
+          <a:bodyPr/>
+          <a:lstStyle/>
+          <a:p>
+            <a:fld id="{D57F1E4F-1CFF-5643-939E-217C01CDF565}" type="slidenum">
+              <a:rPr lang="en-US" smtClean="0"/>
+              <a:pPr/>
+              <a:t>9</a:t>
+            </a:fld>
+            <a:endParaRPr lang="en-US" dirty="0"/>
+          </a:p>
+        </p:txBody>
+      </p:sp>
     </p:spTree>
     <p:extLst>
       <p:ext uri="{BB962C8B-B14F-4D97-AF65-F5344CB8AC3E}">
-        <p14:creationId xmlns:p14="http://schemas.microsoft.com/office/powerpoint/2010/main" val="1563510263"/>
+        <p14:creationId xmlns:p14="http://schemas.microsoft.com/office/powerpoint/2010/main" val="2054006363"/>
       </p:ext>
     </p:extLst>
   </p:cSld>
